--- a/documentation/presentations/White Volley Girls - Final Project Presentation (Season 2).pptx
+++ b/documentation/presentations/White Volley Girls - Final Project Presentation (Season 2).pptx
@@ -23,16 +23,18 @@
     <p:sldId id="268" r:id="rId18"/>
     <p:sldId id="269" r:id="rId19"/>
     <p:sldId id="270" r:id="rId20"/>
+    <p:sldId id="271" r:id="rId21"/>
+    <p:sldId id="272" r:id="rId22"/>
   </p:sldIdLst>
   <p:sldSz cy="6858000" cx="9144000"/>
   <p:notesSz cx="6858000" cy="2466975"/>
   <p:embeddedFontLst>
     <p:embeddedFont>
       <p:font typeface="Constantia"/>
-      <p:regular r:id="rId21"/>
-      <p:bold r:id="rId22"/>
-      <p:italic r:id="rId23"/>
-      <p:boldItalic r:id="rId24"/>
+      <p:regular r:id="rId23"/>
+      <p:bold r:id="rId24"/>
+      <p:italic r:id="rId25"/>
+      <p:boldItalic r:id="rId26"/>
     </p:embeddedFont>
   </p:embeddedFontLst>
   <p:defaultTextStyle>
@@ -1627,7 +1629,293 @@
       </p:grpSpPr>
       <p:sp>
         <p:nvSpPr>
-          <p:cNvPr id="145" name="Google Shape;145;p6:notes"/>
+          <p:cNvPr id="145" name="Google Shape;145;g23f9ac6a66d_0_0:notes"/>
+          <p:cNvSpPr/>
+          <p:nvPr>
+            <p:ph idx="2" type="sldImg"/>
+          </p:nvPr>
+        </p:nvSpPr>
+        <p:spPr>
+          <a:xfrm>
+            <a:off x="1414463" y="1162050"/>
+            <a:ext cx="4181400" cy="3136800"/>
+          </a:xfrm>
+          <a:custGeom>
+            <a:rect b="b" l="l" r="r" t="t"/>
+            <a:pathLst>
+              <a:path extrusionOk="0" h="120000" w="120000">
+                <a:moveTo>
+                  <a:pt x="0" y="0"/>
+                </a:moveTo>
+                <a:lnTo>
+                  <a:pt x="120000" y="0"/>
+                </a:lnTo>
+                <a:lnTo>
+                  <a:pt x="120000" y="120000"/>
+                </a:lnTo>
+                <a:lnTo>
+                  <a:pt x="0" y="120000"/>
+                </a:lnTo>
+                <a:close/>
+              </a:path>
+            </a:pathLst>
+          </a:custGeom>
+        </p:spPr>
+      </p:sp>
+      <p:sp>
+        <p:nvSpPr>
+          <p:cNvPr id="146" name="Google Shape;146;g23f9ac6a66d_0_0:notes"/>
+          <p:cNvSpPr txBox="1"/>
+          <p:nvPr>
+            <p:ph idx="1" type="body"/>
+          </p:nvPr>
+        </p:nvSpPr>
+        <p:spPr>
+          <a:xfrm>
+            <a:off x="701041" y="4473893"/>
+            <a:ext cx="5608200" cy="3660600"/>
+          </a:xfrm>
+          <a:prstGeom prst="rect">
+            <a:avLst/>
+          </a:prstGeom>
+        </p:spPr>
+        <p:txBody>
+          <a:bodyPr anchorCtr="0" anchor="t" bIns="46575" lIns="93150" spcFirstLastPara="1" rIns="93150" wrap="square" tIns="46575">
+            <a:noAutofit/>
+          </a:bodyPr>
+          <a:lstStyle/>
+          <a:p>
+            <a:pPr indent="0" lvl="0" marL="0" rtl="0" algn="l">
+              <a:spcBef>
+                <a:spcPts val="0"/>
+              </a:spcBef>
+              <a:spcAft>
+                <a:spcPts val="0"/>
+              </a:spcAft>
+              <a:buNone/>
+            </a:pPr>
+            <a:r>
+              <a:t/>
+            </a:r>
+            <a:endParaRPr/>
+          </a:p>
+        </p:txBody>
+      </p:sp>
+      <p:sp>
+        <p:nvSpPr>
+          <p:cNvPr id="147" name="Google Shape;147;g23f9ac6a66d_0_0:notes"/>
+          <p:cNvSpPr txBox="1"/>
+          <p:nvPr>
+            <p:ph idx="12" type="sldNum"/>
+          </p:nvPr>
+        </p:nvSpPr>
+        <p:spPr>
+          <a:xfrm>
+            <a:off x="3970939" y="8829967"/>
+            <a:ext cx="3037800" cy="466500"/>
+          </a:xfrm>
+          <a:prstGeom prst="rect">
+            <a:avLst/>
+          </a:prstGeom>
+        </p:spPr>
+        <p:txBody>
+          <a:bodyPr anchorCtr="0" anchor="b" bIns="46575" lIns="93150" spcFirstLastPara="1" rIns="93150" wrap="square" tIns="46575">
+            <a:noAutofit/>
+          </a:bodyPr>
+          <a:lstStyle/>
+          <a:p>
+            <a:pPr indent="0" lvl="0" marL="0" rtl="0" algn="r">
+              <a:spcBef>
+                <a:spcPts val="0"/>
+              </a:spcBef>
+              <a:spcAft>
+                <a:spcPts val="0"/>
+              </a:spcAft>
+              <a:buClr>
+                <a:srgbClr val="000000"/>
+              </a:buClr>
+              <a:buFont typeface="Arial"/>
+              <a:buNone/>
+            </a:pPr>
+            <a:fld id="{00000000-1234-1234-1234-123412341234}" type="slidenum">
+              <a:rPr lang="en-US"/>
+              <a:t>‹#›</a:t>
+            </a:fld>
+            <a:endParaRPr/>
+          </a:p>
+        </p:txBody>
+      </p:sp>
+    </p:spTree>
+  </p:cSld>
+  <p:clrMapOvr>
+    <a:masterClrMapping/>
+  </p:clrMapOvr>
+</p:notes>
+</file>
+
+<file path=ppt/notesSlides/notesSlide11.xml><?xml version="1.0" encoding="utf-8"?>
+<p:notes xmlns:a="http://schemas.openxmlformats.org/drawingml/2006/main" xmlns:r="http://schemas.openxmlformats.org/officeDocument/2006/relationships" xmlns:mc="http://schemas.openxmlformats.org/markup-compatibility/2006" xmlns:mv="urn:schemas-microsoft-com:mac:vml" xmlns:p="http://schemas.openxmlformats.org/presentationml/2006/main" xmlns:c="http://schemas.openxmlformats.org/drawingml/2006/chart" xmlns:dgm="http://schemas.openxmlformats.org/drawingml/2006/diagram" xmlns:o="urn:schemas-microsoft-com:office:office" xmlns:v="urn:schemas-microsoft-com:vml" xmlns:pvml="urn:schemas-microsoft-com:office:powerpoint" xmlns:com="http://schemas.openxmlformats.org/drawingml/2006/compatibility" xmlns:p14="http://schemas.microsoft.com/office/powerpoint/2010/main" xmlns:p15="http://schemas.microsoft.com/office/powerpoint/2012/main" xmlns:ahyp="http://schemas.microsoft.com/office/drawing/2018/hyperlinkcolor" showMasterPhAnim="0" showMasterSp="0">
+  <p:cSld>
+    <p:spTree>
+      <p:nvGrpSpPr>
+        <p:cNvPr id="155" name="Shape 155"/>
+        <p:cNvGrpSpPr/>
+        <p:nvPr/>
+      </p:nvGrpSpPr>
+      <p:grpSpPr>
+        <a:xfrm>
+          <a:off x="0" y="0"/>
+          <a:ext cx="0" cy="0"/>
+          <a:chOff x="0" y="0"/>
+          <a:chExt cx="0" cy="0"/>
+        </a:xfrm>
+      </p:grpSpPr>
+      <p:sp>
+        <p:nvSpPr>
+          <p:cNvPr id="156" name="Google Shape;156;g23f9ac6a66d_0_19:notes"/>
+          <p:cNvSpPr/>
+          <p:nvPr>
+            <p:ph idx="2" type="sldImg"/>
+          </p:nvPr>
+        </p:nvSpPr>
+        <p:spPr>
+          <a:xfrm>
+            <a:off x="1414463" y="1162050"/>
+            <a:ext cx="4181400" cy="3136800"/>
+          </a:xfrm>
+          <a:custGeom>
+            <a:rect b="b" l="l" r="r" t="t"/>
+            <a:pathLst>
+              <a:path extrusionOk="0" h="120000" w="120000">
+                <a:moveTo>
+                  <a:pt x="0" y="0"/>
+                </a:moveTo>
+                <a:lnTo>
+                  <a:pt x="120000" y="0"/>
+                </a:lnTo>
+                <a:lnTo>
+                  <a:pt x="120000" y="120000"/>
+                </a:lnTo>
+                <a:lnTo>
+                  <a:pt x="0" y="120000"/>
+                </a:lnTo>
+                <a:close/>
+              </a:path>
+            </a:pathLst>
+          </a:custGeom>
+        </p:spPr>
+      </p:sp>
+      <p:sp>
+        <p:nvSpPr>
+          <p:cNvPr id="157" name="Google Shape;157;g23f9ac6a66d_0_19:notes"/>
+          <p:cNvSpPr txBox="1"/>
+          <p:nvPr>
+            <p:ph idx="1" type="body"/>
+          </p:nvPr>
+        </p:nvSpPr>
+        <p:spPr>
+          <a:xfrm>
+            <a:off x="701041" y="4473893"/>
+            <a:ext cx="5608200" cy="3660600"/>
+          </a:xfrm>
+          <a:prstGeom prst="rect">
+            <a:avLst/>
+          </a:prstGeom>
+        </p:spPr>
+        <p:txBody>
+          <a:bodyPr anchorCtr="0" anchor="t" bIns="46575" lIns="93150" spcFirstLastPara="1" rIns="93150" wrap="square" tIns="46575">
+            <a:noAutofit/>
+          </a:bodyPr>
+          <a:lstStyle/>
+          <a:p>
+            <a:pPr indent="0" lvl="0" marL="0" rtl="0" algn="l">
+              <a:spcBef>
+                <a:spcPts val="0"/>
+              </a:spcBef>
+              <a:spcAft>
+                <a:spcPts val="0"/>
+              </a:spcAft>
+              <a:buNone/>
+            </a:pPr>
+            <a:r>
+              <a:t/>
+            </a:r>
+            <a:endParaRPr/>
+          </a:p>
+        </p:txBody>
+      </p:sp>
+      <p:sp>
+        <p:nvSpPr>
+          <p:cNvPr id="158" name="Google Shape;158;g23f9ac6a66d_0_19:notes"/>
+          <p:cNvSpPr txBox="1"/>
+          <p:nvPr>
+            <p:ph idx="12" type="sldNum"/>
+          </p:nvPr>
+        </p:nvSpPr>
+        <p:spPr>
+          <a:xfrm>
+            <a:off x="3970939" y="8829967"/>
+            <a:ext cx="3037800" cy="466500"/>
+          </a:xfrm>
+          <a:prstGeom prst="rect">
+            <a:avLst/>
+          </a:prstGeom>
+        </p:spPr>
+        <p:txBody>
+          <a:bodyPr anchorCtr="0" anchor="b" bIns="46575" lIns="93150" spcFirstLastPara="1" rIns="93150" wrap="square" tIns="46575">
+            <a:noAutofit/>
+          </a:bodyPr>
+          <a:lstStyle/>
+          <a:p>
+            <a:pPr indent="0" lvl="0" marL="0" rtl="0" algn="r">
+              <a:spcBef>
+                <a:spcPts val="0"/>
+              </a:spcBef>
+              <a:spcAft>
+                <a:spcPts val="0"/>
+              </a:spcAft>
+              <a:buClr>
+                <a:srgbClr val="000000"/>
+              </a:buClr>
+              <a:buFont typeface="Arial"/>
+              <a:buNone/>
+            </a:pPr>
+            <a:fld id="{00000000-1234-1234-1234-123412341234}" type="slidenum">
+              <a:rPr lang="en-US"/>
+              <a:t>‹#›</a:t>
+            </a:fld>
+            <a:endParaRPr/>
+          </a:p>
+        </p:txBody>
+      </p:sp>
+    </p:spTree>
+  </p:cSld>
+  <p:clrMapOvr>
+    <a:masterClrMapping/>
+  </p:clrMapOvr>
+</p:notes>
+</file>
+
+<file path=ppt/notesSlides/notesSlide12.xml><?xml version="1.0" encoding="utf-8"?>
+<p:notes xmlns:a="http://schemas.openxmlformats.org/drawingml/2006/main" xmlns:r="http://schemas.openxmlformats.org/officeDocument/2006/relationships" xmlns:mc="http://schemas.openxmlformats.org/markup-compatibility/2006" xmlns:mv="urn:schemas-microsoft-com:mac:vml" xmlns:p="http://schemas.openxmlformats.org/presentationml/2006/main" xmlns:c="http://schemas.openxmlformats.org/drawingml/2006/chart" xmlns:dgm="http://schemas.openxmlformats.org/drawingml/2006/diagram" xmlns:o="urn:schemas-microsoft-com:office:office" xmlns:v="urn:schemas-microsoft-com:vml" xmlns:pvml="urn:schemas-microsoft-com:office:powerpoint" xmlns:com="http://schemas.openxmlformats.org/drawingml/2006/compatibility" xmlns:p14="http://schemas.microsoft.com/office/powerpoint/2010/main" xmlns:p15="http://schemas.microsoft.com/office/powerpoint/2012/main" xmlns:ahyp="http://schemas.microsoft.com/office/drawing/2018/hyperlinkcolor" showMasterPhAnim="0" showMasterSp="0">
+  <p:cSld>
+    <p:spTree>
+      <p:nvGrpSpPr>
+        <p:cNvPr id="163" name="Shape 163"/>
+        <p:cNvGrpSpPr/>
+        <p:nvPr/>
+      </p:nvGrpSpPr>
+      <p:grpSpPr>
+        <a:xfrm>
+          <a:off x="0" y="0"/>
+          <a:ext cx="0" cy="0"/>
+          <a:chOff x="0" y="0"/>
+          <a:chExt cx="0" cy="0"/>
+        </a:xfrm>
+      </p:grpSpPr>
+      <p:sp>
+        <p:nvSpPr>
+          <p:cNvPr id="164" name="Google Shape;164;p6:notes"/>
           <p:cNvSpPr/>
           <p:nvPr>
             <p:ph idx="2" type="sldImg"/>
@@ -1672,7 +1960,7 @@
       </p:sp>
       <p:sp>
         <p:nvSpPr>
-          <p:cNvPr id="146" name="Google Shape;146;p6:notes"/>
+          <p:cNvPr id="165" name="Google Shape;165;p6:notes"/>
           <p:cNvSpPr txBox="1"/>
           <p:nvPr>
             <p:ph idx="1" type="body"/>
@@ -1715,7 +2003,7 @@
       </p:sp>
       <p:sp>
         <p:nvSpPr>
-          <p:cNvPr id="147" name="Google Shape;147;p6:notes"/>
+          <p:cNvPr id="166" name="Google Shape;166;p6:notes"/>
           <p:cNvSpPr txBox="1"/>
           <p:nvPr>
             <p:ph idx="12" type="sldNum"/>
@@ -1765,12 +2053,12 @@
 </p:notes>
 </file>
 
-<file path=ppt/notesSlides/notesSlide11.xml><?xml version="1.0" encoding="utf-8"?>
+<file path=ppt/notesSlides/notesSlide13.xml><?xml version="1.0" encoding="utf-8"?>
 <p:notes xmlns:a="http://schemas.openxmlformats.org/drawingml/2006/main" xmlns:r="http://schemas.openxmlformats.org/officeDocument/2006/relationships" xmlns:mc="http://schemas.openxmlformats.org/markup-compatibility/2006" xmlns:mv="urn:schemas-microsoft-com:mac:vml" xmlns:p="http://schemas.openxmlformats.org/presentationml/2006/main" xmlns:c="http://schemas.openxmlformats.org/drawingml/2006/chart" xmlns:dgm="http://schemas.openxmlformats.org/drawingml/2006/diagram" xmlns:o="urn:schemas-microsoft-com:office:office" xmlns:v="urn:schemas-microsoft-com:vml" xmlns:pvml="urn:schemas-microsoft-com:office:powerpoint" xmlns:com="http://schemas.openxmlformats.org/drawingml/2006/compatibility" xmlns:p14="http://schemas.microsoft.com/office/powerpoint/2010/main" xmlns:p15="http://schemas.microsoft.com/office/powerpoint/2012/main" xmlns:ahyp="http://schemas.microsoft.com/office/drawing/2018/hyperlinkcolor" showMasterPhAnim="0" showMasterSp="0">
   <p:cSld>
     <p:spTree>
       <p:nvGrpSpPr>
-        <p:cNvPr id="152" name="Shape 152"/>
+        <p:cNvPr id="171" name="Shape 171"/>
         <p:cNvGrpSpPr/>
         <p:nvPr/>
       </p:nvGrpSpPr>
@@ -1784,7 +2072,7 @@
       </p:grpSpPr>
       <p:sp>
         <p:nvSpPr>
-          <p:cNvPr id="153" name="Google Shape;153;p7:notes"/>
+          <p:cNvPr id="172" name="Google Shape;172;p7:notes"/>
           <p:cNvSpPr/>
           <p:nvPr>
             <p:ph idx="2" type="sldImg"/>
@@ -1829,7 +2117,7 @@
       </p:sp>
       <p:sp>
         <p:nvSpPr>
-          <p:cNvPr id="154" name="Google Shape;154;p7:notes"/>
+          <p:cNvPr id="173" name="Google Shape;173;p7:notes"/>
           <p:cNvSpPr txBox="1"/>
           <p:nvPr>
             <p:ph idx="1" type="body"/>
@@ -1872,7 +2160,7 @@
       </p:sp>
       <p:sp>
         <p:nvSpPr>
-          <p:cNvPr id="155" name="Google Shape;155;p7:notes"/>
+          <p:cNvPr id="174" name="Google Shape;174;p7:notes"/>
           <p:cNvSpPr txBox="1"/>
           <p:nvPr>
             <p:ph idx="12" type="sldNum"/>
@@ -1922,12 +2210,12 @@
 </p:notes>
 </file>
 
-<file path=ppt/notesSlides/notesSlide12.xml><?xml version="1.0" encoding="utf-8"?>
+<file path=ppt/notesSlides/notesSlide14.xml><?xml version="1.0" encoding="utf-8"?>
 <p:notes xmlns:a="http://schemas.openxmlformats.org/drawingml/2006/main" xmlns:r="http://schemas.openxmlformats.org/officeDocument/2006/relationships" xmlns:mc="http://schemas.openxmlformats.org/markup-compatibility/2006" xmlns:mv="urn:schemas-microsoft-com:mac:vml" xmlns:p="http://schemas.openxmlformats.org/presentationml/2006/main" xmlns:c="http://schemas.openxmlformats.org/drawingml/2006/chart" xmlns:dgm="http://schemas.openxmlformats.org/drawingml/2006/diagram" xmlns:o="urn:schemas-microsoft-com:office:office" xmlns:v="urn:schemas-microsoft-com:vml" xmlns:pvml="urn:schemas-microsoft-com:office:powerpoint" xmlns:com="http://schemas.openxmlformats.org/drawingml/2006/compatibility" xmlns:p14="http://schemas.microsoft.com/office/powerpoint/2010/main" xmlns:p15="http://schemas.microsoft.com/office/powerpoint/2012/main" xmlns:ahyp="http://schemas.microsoft.com/office/drawing/2018/hyperlinkcolor" showMasterPhAnim="0" showMasterSp="0">
   <p:cSld>
     <p:spTree>
       <p:nvGrpSpPr>
-        <p:cNvPr id="160" name="Shape 160"/>
+        <p:cNvPr id="179" name="Shape 179"/>
         <p:cNvGrpSpPr/>
         <p:nvPr/>
       </p:nvGrpSpPr>
@@ -1941,7 +2229,7 @@
       </p:grpSpPr>
       <p:sp>
         <p:nvSpPr>
-          <p:cNvPr id="161" name="Google Shape;161;p8:notes"/>
+          <p:cNvPr id="180" name="Google Shape;180;p8:notes"/>
           <p:cNvSpPr/>
           <p:nvPr>
             <p:ph idx="2" type="sldImg"/>
@@ -1986,7 +2274,7 @@
       </p:sp>
       <p:sp>
         <p:nvSpPr>
-          <p:cNvPr id="162" name="Google Shape;162;p8:notes"/>
+          <p:cNvPr id="181" name="Google Shape;181;p8:notes"/>
           <p:cNvSpPr txBox="1"/>
           <p:nvPr>
             <p:ph idx="1" type="body"/>
@@ -2029,7 +2317,7 @@
       </p:sp>
       <p:sp>
         <p:nvSpPr>
-          <p:cNvPr id="163" name="Google Shape;163;p8:notes"/>
+          <p:cNvPr id="182" name="Google Shape;182;p8:notes"/>
           <p:cNvSpPr txBox="1"/>
           <p:nvPr>
             <p:ph idx="12" type="sldNum"/>
@@ -2079,12 +2367,12 @@
 </p:notes>
 </file>
 
-<file path=ppt/notesSlides/notesSlide13.xml><?xml version="1.0" encoding="utf-8"?>
+<file path=ppt/notesSlides/notesSlide15.xml><?xml version="1.0" encoding="utf-8"?>
 <p:notes xmlns:a="http://schemas.openxmlformats.org/drawingml/2006/main" xmlns:r="http://schemas.openxmlformats.org/officeDocument/2006/relationships" xmlns:mc="http://schemas.openxmlformats.org/markup-compatibility/2006" xmlns:mv="urn:schemas-microsoft-com:mac:vml" xmlns:p="http://schemas.openxmlformats.org/presentationml/2006/main" xmlns:c="http://schemas.openxmlformats.org/drawingml/2006/chart" xmlns:dgm="http://schemas.openxmlformats.org/drawingml/2006/diagram" xmlns:o="urn:schemas-microsoft-com:office:office" xmlns:v="urn:schemas-microsoft-com:vml" xmlns:pvml="urn:schemas-microsoft-com:office:powerpoint" xmlns:com="http://schemas.openxmlformats.org/drawingml/2006/compatibility" xmlns:p14="http://schemas.microsoft.com/office/powerpoint/2010/main" xmlns:p15="http://schemas.microsoft.com/office/powerpoint/2012/main" xmlns:ahyp="http://schemas.microsoft.com/office/drawing/2018/hyperlinkcolor" showMasterPhAnim="0" showMasterSp="0">
   <p:cSld>
     <p:spTree>
       <p:nvGrpSpPr>
-        <p:cNvPr id="168" name="Shape 168"/>
+        <p:cNvPr id="187" name="Shape 187"/>
         <p:cNvGrpSpPr/>
         <p:nvPr/>
       </p:nvGrpSpPr>
@@ -2098,7 +2386,7 @@
       </p:grpSpPr>
       <p:sp>
         <p:nvSpPr>
-          <p:cNvPr id="169" name="Google Shape;169;p9:notes"/>
+          <p:cNvPr id="188" name="Google Shape;188;p9:notes"/>
           <p:cNvSpPr/>
           <p:nvPr>
             <p:ph idx="2" type="sldImg"/>
@@ -2143,7 +2431,7 @@
       </p:sp>
       <p:sp>
         <p:nvSpPr>
-          <p:cNvPr id="170" name="Google Shape;170;p9:notes"/>
+          <p:cNvPr id="189" name="Google Shape;189;p9:notes"/>
           <p:cNvSpPr txBox="1"/>
           <p:nvPr>
             <p:ph idx="1" type="body"/>
@@ -2186,7 +2474,7 @@
       </p:sp>
       <p:sp>
         <p:nvSpPr>
-          <p:cNvPr id="171" name="Google Shape;171;p9:notes"/>
+          <p:cNvPr id="190" name="Google Shape;190;p9:notes"/>
           <p:cNvSpPr txBox="1"/>
           <p:nvPr>
             <p:ph idx="12" type="sldNum"/>
@@ -2236,12 +2524,12 @@
 </p:notes>
 </file>
 
-<file path=ppt/notesSlides/notesSlide14.xml><?xml version="1.0" encoding="utf-8"?>
+<file path=ppt/notesSlides/notesSlide16.xml><?xml version="1.0" encoding="utf-8"?>
 <p:notes xmlns:a="http://schemas.openxmlformats.org/drawingml/2006/main" xmlns:r="http://schemas.openxmlformats.org/officeDocument/2006/relationships" xmlns:mc="http://schemas.openxmlformats.org/markup-compatibility/2006" xmlns:mv="urn:schemas-microsoft-com:mac:vml" xmlns:p="http://schemas.openxmlformats.org/presentationml/2006/main" xmlns:c="http://schemas.openxmlformats.org/drawingml/2006/chart" xmlns:dgm="http://schemas.openxmlformats.org/drawingml/2006/diagram" xmlns:o="urn:schemas-microsoft-com:office:office" xmlns:v="urn:schemas-microsoft-com:vml" xmlns:pvml="urn:schemas-microsoft-com:office:powerpoint" xmlns:com="http://schemas.openxmlformats.org/drawingml/2006/compatibility" xmlns:p14="http://schemas.microsoft.com/office/powerpoint/2010/main" xmlns:p15="http://schemas.microsoft.com/office/powerpoint/2012/main" xmlns:ahyp="http://schemas.microsoft.com/office/drawing/2018/hyperlinkcolor" showMasterPhAnim="0" showMasterSp="0">
   <p:cSld>
     <p:spTree>
       <p:nvGrpSpPr>
-        <p:cNvPr id="176" name="Shape 176"/>
+        <p:cNvPr id="195" name="Shape 195"/>
         <p:cNvGrpSpPr/>
         <p:nvPr/>
       </p:nvGrpSpPr>
@@ -2255,7 +2543,7 @@
       </p:grpSpPr>
       <p:sp>
         <p:nvSpPr>
-          <p:cNvPr id="177" name="Google Shape;177;g21eaea42d05_0_0:notes"/>
+          <p:cNvPr id="196" name="Google Shape;196;g21eaea42d05_0_0:notes"/>
           <p:cNvSpPr/>
           <p:nvPr>
             <p:ph idx="2" type="sldImg"/>
@@ -2300,7 +2588,7 @@
       </p:sp>
       <p:sp>
         <p:nvSpPr>
-          <p:cNvPr id="178" name="Google Shape;178;g21eaea42d05_0_0:notes"/>
+          <p:cNvPr id="197" name="Google Shape;197;g21eaea42d05_0_0:notes"/>
           <p:cNvSpPr txBox="1"/>
           <p:nvPr>
             <p:ph idx="1" type="body"/>
@@ -2343,7 +2631,7 @@
       </p:sp>
       <p:sp>
         <p:nvSpPr>
-          <p:cNvPr id="179" name="Google Shape;179;g21eaea42d05_0_0:notes"/>
+          <p:cNvPr id="198" name="Google Shape;198;g21eaea42d05_0_0:notes"/>
           <p:cNvSpPr txBox="1"/>
           <p:nvPr>
             <p:ph idx="12" type="sldNum"/>
@@ -2393,12 +2681,12 @@
 </p:notes>
 </file>
 
-<file path=ppt/notesSlides/notesSlide15.xml><?xml version="1.0" encoding="utf-8"?>
+<file path=ppt/notesSlides/notesSlide17.xml><?xml version="1.0" encoding="utf-8"?>
 <p:notes xmlns:a="http://schemas.openxmlformats.org/drawingml/2006/main" xmlns:r="http://schemas.openxmlformats.org/officeDocument/2006/relationships" xmlns:mc="http://schemas.openxmlformats.org/markup-compatibility/2006" xmlns:mv="urn:schemas-microsoft-com:mac:vml" xmlns:p="http://schemas.openxmlformats.org/presentationml/2006/main" xmlns:c="http://schemas.openxmlformats.org/drawingml/2006/chart" xmlns:dgm="http://schemas.openxmlformats.org/drawingml/2006/diagram" xmlns:o="urn:schemas-microsoft-com:office:office" xmlns:v="urn:schemas-microsoft-com:vml" xmlns:pvml="urn:schemas-microsoft-com:office:powerpoint" xmlns:com="http://schemas.openxmlformats.org/drawingml/2006/compatibility" xmlns:p14="http://schemas.microsoft.com/office/powerpoint/2010/main" xmlns:p15="http://schemas.microsoft.com/office/powerpoint/2012/main" xmlns:ahyp="http://schemas.microsoft.com/office/drawing/2018/hyperlinkcolor" showMasterPhAnim="0" showMasterSp="0">
   <p:cSld>
     <p:spTree>
       <p:nvGrpSpPr>
-        <p:cNvPr id="184" name="Shape 184"/>
+        <p:cNvPr id="203" name="Shape 203"/>
         <p:cNvGrpSpPr/>
         <p:nvPr/>
       </p:nvGrpSpPr>
@@ -2412,7 +2700,7 @@
       </p:grpSpPr>
       <p:sp>
         <p:nvSpPr>
-          <p:cNvPr id="185" name="Google Shape;185;p10:notes"/>
+          <p:cNvPr id="204" name="Google Shape;204;p10:notes"/>
           <p:cNvSpPr/>
           <p:nvPr>
             <p:ph idx="2" type="sldImg"/>
@@ -2457,7 +2745,7 @@
       </p:sp>
       <p:sp>
         <p:nvSpPr>
-          <p:cNvPr id="186" name="Google Shape;186;p10:notes"/>
+          <p:cNvPr id="205" name="Google Shape;205;p10:notes"/>
           <p:cNvSpPr txBox="1"/>
           <p:nvPr>
             <p:ph idx="1" type="body"/>
@@ -2500,7 +2788,7 @@
       </p:sp>
       <p:sp>
         <p:nvSpPr>
-          <p:cNvPr id="187" name="Google Shape;187;p10:notes"/>
+          <p:cNvPr id="206" name="Google Shape;206;p10:notes"/>
           <p:cNvSpPr txBox="1"/>
           <p:nvPr>
             <p:ph idx="12" type="sldNum"/>
@@ -9964,7 +10252,465 @@
       </p:grpSpPr>
       <p:pic>
         <p:nvPicPr>
-          <p:cNvPr descr="CSUN_Logo.png" id="149" name="Google Shape;149;p18"/>
+          <p:cNvPr id="149" name="Google Shape;149;p18"/>
+          <p:cNvPicPr preferRelativeResize="0"/>
+          <p:nvPr/>
+        </p:nvPicPr>
+        <p:blipFill>
+          <a:blip r:embed="rId3">
+            <a:alphaModFix/>
+          </a:blip>
+          <a:stretch>
+            <a:fillRect/>
+          </a:stretch>
+        </p:blipFill>
+        <p:spPr>
+          <a:xfrm>
+            <a:off x="0" y="0"/>
+            <a:ext cx="4272949" cy="3106478"/>
+          </a:xfrm>
+          <a:prstGeom prst="rect">
+            <a:avLst/>
+          </a:prstGeom>
+          <a:noFill/>
+          <a:ln>
+            <a:noFill/>
+          </a:ln>
+        </p:spPr>
+      </p:pic>
+      <p:pic>
+        <p:nvPicPr>
+          <p:cNvPr id="150" name="Google Shape;150;p18"/>
+          <p:cNvPicPr preferRelativeResize="0"/>
+          <p:nvPr/>
+        </p:nvPicPr>
+        <p:blipFill>
+          <a:blip r:embed="rId4">
+            <a:alphaModFix/>
+          </a:blip>
+          <a:stretch>
+            <a:fillRect/>
+          </a:stretch>
+        </p:blipFill>
+        <p:spPr>
+          <a:xfrm>
+            <a:off x="4871050" y="3760098"/>
+            <a:ext cx="4272949" cy="3097903"/>
+          </a:xfrm>
+          <a:prstGeom prst="rect">
+            <a:avLst/>
+          </a:prstGeom>
+          <a:noFill/>
+          <a:ln>
+            <a:noFill/>
+          </a:ln>
+        </p:spPr>
+      </p:pic>
+      <p:pic>
+        <p:nvPicPr>
+          <p:cNvPr id="151" name="Google Shape;151;p18"/>
+          <p:cNvPicPr preferRelativeResize="0"/>
+          <p:nvPr/>
+        </p:nvPicPr>
+        <p:blipFill>
+          <a:blip r:embed="rId5">
+            <a:alphaModFix/>
+          </a:blip>
+          <a:stretch>
+            <a:fillRect/>
+          </a:stretch>
+        </p:blipFill>
+        <p:spPr>
+          <a:xfrm>
+            <a:off x="4871059" y="0"/>
+            <a:ext cx="4272943" cy="3105751"/>
+          </a:xfrm>
+          <a:prstGeom prst="rect">
+            <a:avLst/>
+          </a:prstGeom>
+          <a:noFill/>
+          <a:ln>
+            <a:noFill/>
+          </a:ln>
+        </p:spPr>
+      </p:pic>
+      <p:sp>
+        <p:nvSpPr>
+          <p:cNvPr id="152" name="Google Shape;152;p18"/>
+          <p:cNvSpPr txBox="1"/>
+          <p:nvPr/>
+        </p:nvSpPr>
+        <p:spPr>
+          <a:xfrm>
+            <a:off x="4209150" y="1075125"/>
+            <a:ext cx="725700" cy="646500"/>
+          </a:xfrm>
+          <a:prstGeom prst="rect">
+            <a:avLst/>
+          </a:prstGeom>
+          <a:noFill/>
+          <a:ln>
+            <a:noFill/>
+          </a:ln>
+        </p:spPr>
+        <p:txBody>
+          <a:bodyPr anchorCtr="0" anchor="t" bIns="91425" lIns="91425" spcFirstLastPara="1" rIns="91425" wrap="square" tIns="91425">
+            <a:spAutoFit/>
+          </a:bodyPr>
+          <a:lstStyle/>
+          <a:p>
+            <a:pPr indent="0" lvl="0" marL="0" rtl="0" algn="l">
+              <a:spcBef>
+                <a:spcPts val="0"/>
+              </a:spcBef>
+              <a:spcAft>
+                <a:spcPts val="0"/>
+              </a:spcAft>
+              <a:buNone/>
+            </a:pPr>
+            <a:r>
+              <a:rPr lang="en-US" sz="3000">
+                <a:solidFill>
+                  <a:srgbClr val="FFFF00"/>
+                </a:solidFill>
+              </a:rPr>
+              <a:t>=&gt;</a:t>
+            </a:r>
+            <a:endParaRPr sz="3000">
+              <a:solidFill>
+                <a:srgbClr val="FFFF00"/>
+              </a:solidFill>
+            </a:endParaRPr>
+          </a:p>
+        </p:txBody>
+      </p:sp>
+      <p:sp>
+        <p:nvSpPr>
+          <p:cNvPr id="153" name="Google Shape;153;p18"/>
+          <p:cNvSpPr txBox="1"/>
+          <p:nvPr/>
+        </p:nvSpPr>
+        <p:spPr>
+          <a:xfrm>
+            <a:off x="392825" y="3901725"/>
+            <a:ext cx="3702000" cy="1639200"/>
+          </a:xfrm>
+          <a:prstGeom prst="rect">
+            <a:avLst/>
+          </a:prstGeom>
+          <a:noFill/>
+          <a:ln>
+            <a:noFill/>
+          </a:ln>
+        </p:spPr>
+        <p:txBody>
+          <a:bodyPr anchorCtr="0" anchor="t" bIns="91425" lIns="91425" spcFirstLastPara="1" rIns="91425" wrap="square" tIns="91425">
+            <a:spAutoFit/>
+          </a:bodyPr>
+          <a:lstStyle/>
+          <a:p>
+            <a:pPr indent="-317500" lvl="0" marL="457200" rtl="0" algn="l">
+              <a:lnSpc>
+                <a:spcPct val="115000"/>
+              </a:lnSpc>
+              <a:spcBef>
+                <a:spcPts val="0"/>
+              </a:spcBef>
+              <a:spcAft>
+                <a:spcPts val="0"/>
+              </a:spcAft>
+              <a:buClr>
+                <a:srgbClr val="FFFF00"/>
+              </a:buClr>
+              <a:buSzPts val="1400"/>
+              <a:buAutoNum type="arabicPeriod"/>
+            </a:pPr>
+            <a:r>
+              <a:rPr lang="en-US" u="sng">
+                <a:solidFill>
+                  <a:srgbClr val="FFFF00"/>
+                </a:solidFill>
+                <a:hlinkClick r:id="rId6">
+                  <a:extLst>
+                    <a:ext uri="{A12FA001-AC4F-418D-AE19-62706E023703}">
+                      <ahyp:hlinkClr val="tx"/>
+                    </a:ext>
+                  </a:extLst>
+                </a:hlinkClick>
+              </a:rPr>
+              <a:t>https://catalog.csun.edu/academics/comp/faculty/</a:t>
+            </a:r>
+            <a:endParaRPr>
+              <a:solidFill>
+                <a:srgbClr val="FFFF00"/>
+              </a:solidFill>
+            </a:endParaRPr>
+          </a:p>
+          <a:p>
+            <a:pPr indent="-317500" lvl="0" marL="457200" rtl="0" algn="l">
+              <a:lnSpc>
+                <a:spcPct val="115000"/>
+              </a:lnSpc>
+              <a:spcBef>
+                <a:spcPts val="0"/>
+              </a:spcBef>
+              <a:spcAft>
+                <a:spcPts val="0"/>
+              </a:spcAft>
+              <a:buClr>
+                <a:srgbClr val="FFFF00"/>
+              </a:buClr>
+              <a:buSzPts val="1400"/>
+              <a:buAutoNum type="arabicPeriod"/>
+            </a:pPr>
+            <a:r>
+              <a:rPr lang="en-US" u="sng">
+                <a:solidFill>
+                  <a:srgbClr val="FFFF00"/>
+                </a:solidFill>
+                <a:hlinkClick r:id="rId7">
+                  <a:extLst>
+                    <a:ext uri="{A12FA001-AC4F-418D-AE19-62706E023703}">
+                      <ahyp:hlinkClr val="tx"/>
+                    </a:ext>
+                  </a:extLst>
+                </a:hlinkClick>
+              </a:rPr>
+              <a:t>https://catalog.csun.edu/academics/comp/faculty/covington-richard/</a:t>
+            </a:r>
+            <a:endParaRPr>
+              <a:solidFill>
+                <a:srgbClr val="FFFF00"/>
+              </a:solidFill>
+            </a:endParaRPr>
+          </a:p>
+          <a:p>
+            <a:pPr indent="-317500" lvl="0" marL="457200" rtl="0" algn="l">
+              <a:lnSpc>
+                <a:spcPct val="115000"/>
+              </a:lnSpc>
+              <a:spcBef>
+                <a:spcPts val="0"/>
+              </a:spcBef>
+              <a:spcAft>
+                <a:spcPts val="0"/>
+              </a:spcAft>
+              <a:buClr>
+                <a:srgbClr val="FFFF00"/>
+              </a:buClr>
+              <a:buSzPts val="1400"/>
+              <a:buAutoNum type="arabicPeriod"/>
+            </a:pPr>
+            <a:r>
+              <a:rPr lang="en-US" u="sng">
+                <a:solidFill>
+                  <a:srgbClr val="FFFF00"/>
+                </a:solidFill>
+                <a:hlinkClick r:id="rId8">
+                  <a:extLst>
+                    <a:ext uri="{A12FA001-AC4F-418D-AE19-62706E023703}">
+                      <ahyp:hlinkClr val="tx"/>
+                    </a:ext>
+                  </a:extLst>
+                </a:hlinkClick>
+              </a:rPr>
+              <a:t>https://academics.csun.edu/faculty/rick.covington</a:t>
+            </a:r>
+            <a:endParaRPr>
+              <a:solidFill>
+                <a:srgbClr val="FFFF00"/>
+              </a:solidFill>
+            </a:endParaRPr>
+          </a:p>
+        </p:txBody>
+      </p:sp>
+      <p:sp>
+        <p:nvSpPr>
+          <p:cNvPr id="154" name="Google Shape;154;p18"/>
+          <p:cNvSpPr txBox="1"/>
+          <p:nvPr/>
+        </p:nvSpPr>
+        <p:spPr>
+          <a:xfrm rot="5400000">
+            <a:off x="6644675" y="3105750"/>
+            <a:ext cx="725700" cy="646500"/>
+          </a:xfrm>
+          <a:prstGeom prst="rect">
+            <a:avLst/>
+          </a:prstGeom>
+          <a:noFill/>
+          <a:ln>
+            <a:noFill/>
+          </a:ln>
+        </p:spPr>
+        <p:txBody>
+          <a:bodyPr anchorCtr="0" anchor="t" bIns="91425" lIns="91425" spcFirstLastPara="1" rIns="91425" wrap="square" tIns="91425">
+            <a:spAutoFit/>
+          </a:bodyPr>
+          <a:lstStyle/>
+          <a:p>
+            <a:pPr indent="0" lvl="0" marL="0" rtl="0" algn="l">
+              <a:spcBef>
+                <a:spcPts val="0"/>
+              </a:spcBef>
+              <a:spcAft>
+                <a:spcPts val="0"/>
+              </a:spcAft>
+              <a:buNone/>
+            </a:pPr>
+            <a:r>
+              <a:rPr lang="en-US" sz="3000">
+                <a:solidFill>
+                  <a:srgbClr val="FFFF00"/>
+                </a:solidFill>
+              </a:rPr>
+              <a:t>=&gt;</a:t>
+            </a:r>
+            <a:endParaRPr sz="3000">
+              <a:solidFill>
+                <a:srgbClr val="FFFF00"/>
+              </a:solidFill>
+            </a:endParaRPr>
+          </a:p>
+        </p:txBody>
+      </p:sp>
+    </p:spTree>
+  </p:cSld>
+  <p:clrMapOvr>
+    <a:masterClrMapping/>
+  </p:clrMapOvr>
+</p:sld>
+</file>
+
+<file path=ppt/slides/slide11.xml><?xml version="1.0" encoding="utf-8"?>
+<p:sld xmlns:a="http://schemas.openxmlformats.org/drawingml/2006/main" xmlns:r="http://schemas.openxmlformats.org/officeDocument/2006/relationships" xmlns:mc="http://schemas.openxmlformats.org/markup-compatibility/2006" xmlns:mv="urn:schemas-microsoft-com:mac:vml" xmlns:p="http://schemas.openxmlformats.org/presentationml/2006/main" xmlns:c="http://schemas.openxmlformats.org/drawingml/2006/chart" xmlns:dgm="http://schemas.openxmlformats.org/drawingml/2006/diagram" xmlns:o="urn:schemas-microsoft-com:office:office" xmlns:v="urn:schemas-microsoft-com:vml" xmlns:pvml="urn:schemas-microsoft-com:office:powerpoint" xmlns:com="http://schemas.openxmlformats.org/drawingml/2006/compatibility" xmlns:p14="http://schemas.microsoft.com/office/powerpoint/2010/main" xmlns:p15="http://schemas.microsoft.com/office/powerpoint/2012/main" xmlns:ahyp="http://schemas.microsoft.com/office/drawing/2018/hyperlinkcolor">
+  <p:cSld>
+    <p:spTree>
+      <p:nvGrpSpPr>
+        <p:cNvPr id="159" name="Shape 159"/>
+        <p:cNvGrpSpPr/>
+        <p:nvPr/>
+      </p:nvGrpSpPr>
+      <p:grpSpPr>
+        <a:xfrm>
+          <a:off x="0" y="0"/>
+          <a:ext cx="0" cy="0"/>
+          <a:chOff x="0" y="0"/>
+          <a:chExt cx="0" cy="0"/>
+        </a:xfrm>
+      </p:grpSpPr>
+      <p:pic>
+        <p:nvPicPr>
+          <p:cNvPr id="160" name="Google Shape;160;p19"/>
+          <p:cNvPicPr preferRelativeResize="0"/>
+          <p:nvPr/>
+        </p:nvPicPr>
+        <p:blipFill>
+          <a:blip r:embed="rId3">
+            <a:alphaModFix/>
+          </a:blip>
+          <a:stretch>
+            <a:fillRect/>
+          </a:stretch>
+        </p:blipFill>
+        <p:spPr>
+          <a:xfrm>
+            <a:off x="0" y="0"/>
+            <a:ext cx="9144003" cy="3321854"/>
+          </a:xfrm>
+          <a:prstGeom prst="rect">
+            <a:avLst/>
+          </a:prstGeom>
+          <a:noFill/>
+          <a:ln>
+            <a:noFill/>
+          </a:ln>
+        </p:spPr>
+      </p:pic>
+      <p:pic>
+        <p:nvPicPr>
+          <p:cNvPr id="161" name="Google Shape;161;p19"/>
+          <p:cNvPicPr preferRelativeResize="0"/>
+          <p:nvPr/>
+        </p:nvPicPr>
+        <p:blipFill>
+          <a:blip r:embed="rId4">
+            <a:alphaModFix/>
+          </a:blip>
+          <a:stretch>
+            <a:fillRect/>
+          </a:stretch>
+        </p:blipFill>
+        <p:spPr>
+          <a:xfrm>
+            <a:off x="119125" y="3429004"/>
+            <a:ext cx="4410075" cy="1581150"/>
+          </a:xfrm>
+          <a:prstGeom prst="rect">
+            <a:avLst/>
+          </a:prstGeom>
+          <a:noFill/>
+          <a:ln>
+            <a:noFill/>
+          </a:ln>
+        </p:spPr>
+      </p:pic>
+      <p:pic>
+        <p:nvPicPr>
+          <p:cNvPr id="162" name="Google Shape;162;p19"/>
+          <p:cNvPicPr preferRelativeResize="0"/>
+          <p:nvPr/>
+        </p:nvPicPr>
+        <p:blipFill>
+          <a:blip r:embed="rId5">
+            <a:alphaModFix/>
+          </a:blip>
+          <a:stretch>
+            <a:fillRect/>
+          </a:stretch>
+        </p:blipFill>
+        <p:spPr>
+          <a:xfrm>
+            <a:off x="5259300" y="3448054"/>
+            <a:ext cx="3113646" cy="1543046"/>
+          </a:xfrm>
+          <a:prstGeom prst="rect">
+            <a:avLst/>
+          </a:prstGeom>
+          <a:noFill/>
+          <a:ln>
+            <a:noFill/>
+          </a:ln>
+        </p:spPr>
+      </p:pic>
+    </p:spTree>
+  </p:cSld>
+  <p:clrMapOvr>
+    <a:masterClrMapping/>
+  </p:clrMapOvr>
+</p:sld>
+</file>
+
+<file path=ppt/slides/slide12.xml><?xml version="1.0" encoding="utf-8"?>
+<p:sld xmlns:a="http://schemas.openxmlformats.org/drawingml/2006/main" xmlns:r="http://schemas.openxmlformats.org/officeDocument/2006/relationships" xmlns:mc="http://schemas.openxmlformats.org/markup-compatibility/2006" xmlns:mv="urn:schemas-microsoft-com:mac:vml" xmlns:p="http://schemas.openxmlformats.org/presentationml/2006/main" xmlns:c="http://schemas.openxmlformats.org/drawingml/2006/chart" xmlns:dgm="http://schemas.openxmlformats.org/drawingml/2006/diagram" xmlns:o="urn:schemas-microsoft-com:office:office" xmlns:v="urn:schemas-microsoft-com:vml" xmlns:pvml="urn:schemas-microsoft-com:office:powerpoint" xmlns:com="http://schemas.openxmlformats.org/drawingml/2006/compatibility" xmlns:p14="http://schemas.microsoft.com/office/powerpoint/2010/main" xmlns:p15="http://schemas.microsoft.com/office/powerpoint/2012/main" xmlns:ahyp="http://schemas.microsoft.com/office/drawing/2018/hyperlinkcolor">
+  <p:cSld>
+    <p:spTree>
+      <p:nvGrpSpPr>
+        <p:cNvPr id="167" name="Shape 167"/>
+        <p:cNvGrpSpPr/>
+        <p:nvPr/>
+      </p:nvGrpSpPr>
+      <p:grpSpPr>
+        <a:xfrm>
+          <a:off x="0" y="0"/>
+          <a:ext cx="0" cy="0"/>
+          <a:chOff x="0" y="0"/>
+          <a:chExt cx="0" cy="0"/>
+        </a:xfrm>
+      </p:grpSpPr>
+      <p:pic>
+        <p:nvPicPr>
+          <p:cNvPr descr="CSUN_Logo.png" id="168" name="Google Shape;168;p20"/>
           <p:cNvPicPr preferRelativeResize="0"/>
           <p:nvPr/>
         </p:nvPicPr>
@@ -10014,7 +10760,7 @@
       </p:pic>
       <p:sp>
         <p:nvSpPr>
-          <p:cNvPr id="150" name="Google Shape;150;p18"/>
+          <p:cNvPr id="169" name="Google Shape;169;p20"/>
           <p:cNvSpPr/>
           <p:nvPr/>
         </p:nvSpPr>
@@ -10064,7 +10810,7 @@
       </p:sp>
       <p:sp>
         <p:nvSpPr>
-          <p:cNvPr id="151" name="Google Shape;151;p18"/>
+          <p:cNvPr id="170" name="Google Shape;170;p20"/>
           <p:cNvSpPr/>
           <p:nvPr/>
         </p:nvSpPr>
@@ -10466,12 +11212,12 @@
 </p:sld>
 </file>
 
-<file path=ppt/slides/slide11.xml><?xml version="1.0" encoding="utf-8"?>
+<file path=ppt/slides/slide13.xml><?xml version="1.0" encoding="utf-8"?>
 <p:sld xmlns:a="http://schemas.openxmlformats.org/drawingml/2006/main" xmlns:r="http://schemas.openxmlformats.org/officeDocument/2006/relationships" xmlns:mc="http://schemas.openxmlformats.org/markup-compatibility/2006" xmlns:mv="urn:schemas-microsoft-com:mac:vml" xmlns:p="http://schemas.openxmlformats.org/presentationml/2006/main" xmlns:c="http://schemas.openxmlformats.org/drawingml/2006/chart" xmlns:dgm="http://schemas.openxmlformats.org/drawingml/2006/diagram" xmlns:o="urn:schemas-microsoft-com:office:office" xmlns:v="urn:schemas-microsoft-com:vml" xmlns:pvml="urn:schemas-microsoft-com:office:powerpoint" xmlns:com="http://schemas.openxmlformats.org/drawingml/2006/compatibility" xmlns:p14="http://schemas.microsoft.com/office/powerpoint/2010/main" xmlns:p15="http://schemas.microsoft.com/office/powerpoint/2012/main" xmlns:ahyp="http://schemas.microsoft.com/office/drawing/2018/hyperlinkcolor">
   <p:cSld>
     <p:spTree>
       <p:nvGrpSpPr>
-        <p:cNvPr id="156" name="Shape 156"/>
+        <p:cNvPr id="175" name="Shape 175"/>
         <p:cNvGrpSpPr/>
         <p:nvPr/>
       </p:nvGrpSpPr>
@@ -10485,7 +11231,7 @@
       </p:grpSpPr>
       <p:pic>
         <p:nvPicPr>
-          <p:cNvPr descr="CSUN_Logo.png" id="157" name="Google Shape;157;p19"/>
+          <p:cNvPr descr="CSUN_Logo.png" id="176" name="Google Shape;176;p21"/>
           <p:cNvPicPr preferRelativeResize="0"/>
           <p:nvPr/>
         </p:nvPicPr>
@@ -10535,7 +11281,7 @@
       </p:pic>
       <p:sp>
         <p:nvSpPr>
-          <p:cNvPr id="158" name="Google Shape;158;p19"/>
+          <p:cNvPr id="177" name="Google Shape;177;p21"/>
           <p:cNvSpPr/>
           <p:nvPr/>
         </p:nvSpPr>
@@ -10593,7 +11339,7 @@
       </p:sp>
       <p:sp>
         <p:nvSpPr>
-          <p:cNvPr id="159" name="Google Shape;159;p19"/>
+          <p:cNvPr id="178" name="Google Shape;178;p21"/>
           <p:cNvSpPr/>
           <p:nvPr/>
         </p:nvSpPr>
@@ -11092,12 +11838,12 @@
 </p:sld>
 </file>
 
-<file path=ppt/slides/slide12.xml><?xml version="1.0" encoding="utf-8"?>
+<file path=ppt/slides/slide14.xml><?xml version="1.0" encoding="utf-8"?>
 <p:sld xmlns:a="http://schemas.openxmlformats.org/drawingml/2006/main" xmlns:r="http://schemas.openxmlformats.org/officeDocument/2006/relationships" xmlns:mc="http://schemas.openxmlformats.org/markup-compatibility/2006" xmlns:mv="urn:schemas-microsoft-com:mac:vml" xmlns:p="http://schemas.openxmlformats.org/presentationml/2006/main" xmlns:c="http://schemas.openxmlformats.org/drawingml/2006/chart" xmlns:dgm="http://schemas.openxmlformats.org/drawingml/2006/diagram" xmlns:o="urn:schemas-microsoft-com:office:office" xmlns:v="urn:schemas-microsoft-com:vml" xmlns:pvml="urn:schemas-microsoft-com:office:powerpoint" xmlns:com="http://schemas.openxmlformats.org/drawingml/2006/compatibility" xmlns:p14="http://schemas.microsoft.com/office/powerpoint/2010/main" xmlns:p15="http://schemas.microsoft.com/office/powerpoint/2012/main" xmlns:ahyp="http://schemas.microsoft.com/office/drawing/2018/hyperlinkcolor">
   <p:cSld>
     <p:spTree>
       <p:nvGrpSpPr>
-        <p:cNvPr id="164" name="Shape 164"/>
+        <p:cNvPr id="183" name="Shape 183"/>
         <p:cNvGrpSpPr/>
         <p:nvPr/>
       </p:nvGrpSpPr>
@@ -11111,7 +11857,7 @@
       </p:grpSpPr>
       <p:pic>
         <p:nvPicPr>
-          <p:cNvPr descr="CSUN_Logo.png" id="165" name="Google Shape;165;p20"/>
+          <p:cNvPr descr="CSUN_Logo.png" id="184" name="Google Shape;184;p22"/>
           <p:cNvPicPr preferRelativeResize="0"/>
           <p:nvPr/>
         </p:nvPicPr>
@@ -11161,7 +11907,7 @@
       </p:pic>
       <p:sp>
         <p:nvSpPr>
-          <p:cNvPr id="166" name="Google Shape;166;p20"/>
+          <p:cNvPr id="185" name="Google Shape;185;p22"/>
           <p:cNvSpPr/>
           <p:nvPr/>
         </p:nvSpPr>
@@ -11211,7 +11957,7 @@
       </p:sp>
       <p:sp>
         <p:nvSpPr>
-          <p:cNvPr id="167" name="Google Shape;167;p20"/>
+          <p:cNvPr id="186" name="Google Shape;186;p22"/>
           <p:cNvSpPr/>
           <p:nvPr/>
         </p:nvSpPr>
@@ -11449,12 +12195,12 @@
 </p:sld>
 </file>
 
-<file path=ppt/slides/slide13.xml><?xml version="1.0" encoding="utf-8"?>
+<file path=ppt/slides/slide15.xml><?xml version="1.0" encoding="utf-8"?>
 <p:sld xmlns:a="http://schemas.openxmlformats.org/drawingml/2006/main" xmlns:r="http://schemas.openxmlformats.org/officeDocument/2006/relationships" xmlns:mc="http://schemas.openxmlformats.org/markup-compatibility/2006" xmlns:mv="urn:schemas-microsoft-com:mac:vml" xmlns:p="http://schemas.openxmlformats.org/presentationml/2006/main" xmlns:c="http://schemas.openxmlformats.org/drawingml/2006/chart" xmlns:dgm="http://schemas.openxmlformats.org/drawingml/2006/diagram" xmlns:o="urn:schemas-microsoft-com:office:office" xmlns:v="urn:schemas-microsoft-com:vml" xmlns:pvml="urn:schemas-microsoft-com:office:powerpoint" xmlns:com="http://schemas.openxmlformats.org/drawingml/2006/compatibility" xmlns:p14="http://schemas.microsoft.com/office/powerpoint/2010/main" xmlns:p15="http://schemas.microsoft.com/office/powerpoint/2012/main" xmlns:ahyp="http://schemas.microsoft.com/office/drawing/2018/hyperlinkcolor">
   <p:cSld>
     <p:spTree>
       <p:nvGrpSpPr>
-        <p:cNvPr id="172" name="Shape 172"/>
+        <p:cNvPr id="191" name="Shape 191"/>
         <p:cNvGrpSpPr/>
         <p:nvPr/>
       </p:nvGrpSpPr>
@@ -11468,7 +12214,7 @@
       </p:grpSpPr>
       <p:pic>
         <p:nvPicPr>
-          <p:cNvPr descr="CSUN_Logo.png" id="173" name="Google Shape;173;p21"/>
+          <p:cNvPr descr="CSUN_Logo.png" id="192" name="Google Shape;192;p23"/>
           <p:cNvPicPr preferRelativeResize="0"/>
           <p:nvPr/>
         </p:nvPicPr>
@@ -11518,7 +12264,7 @@
       </p:pic>
       <p:sp>
         <p:nvSpPr>
-          <p:cNvPr id="174" name="Google Shape;174;p21"/>
+          <p:cNvPr id="193" name="Google Shape;193;p23"/>
           <p:cNvSpPr/>
           <p:nvPr/>
         </p:nvSpPr>
@@ -11564,7 +12310,7 @@
       </p:sp>
       <p:sp>
         <p:nvSpPr>
-          <p:cNvPr id="175" name="Google Shape;175;p21"/>
+          <p:cNvPr id="194" name="Google Shape;194;p23"/>
           <p:cNvSpPr/>
           <p:nvPr/>
         </p:nvSpPr>
@@ -12015,12 +12761,12 @@
 </p:sld>
 </file>
 
-<file path=ppt/slides/slide14.xml><?xml version="1.0" encoding="utf-8"?>
+<file path=ppt/slides/slide16.xml><?xml version="1.0" encoding="utf-8"?>
 <p:sld xmlns:a="http://schemas.openxmlformats.org/drawingml/2006/main" xmlns:r="http://schemas.openxmlformats.org/officeDocument/2006/relationships" xmlns:mc="http://schemas.openxmlformats.org/markup-compatibility/2006" xmlns:mv="urn:schemas-microsoft-com:mac:vml" xmlns:p="http://schemas.openxmlformats.org/presentationml/2006/main" xmlns:c="http://schemas.openxmlformats.org/drawingml/2006/chart" xmlns:dgm="http://schemas.openxmlformats.org/drawingml/2006/diagram" xmlns:o="urn:schemas-microsoft-com:office:office" xmlns:v="urn:schemas-microsoft-com:vml" xmlns:pvml="urn:schemas-microsoft-com:office:powerpoint" xmlns:com="http://schemas.openxmlformats.org/drawingml/2006/compatibility" xmlns:p14="http://schemas.microsoft.com/office/powerpoint/2010/main" xmlns:p15="http://schemas.microsoft.com/office/powerpoint/2012/main" xmlns:ahyp="http://schemas.microsoft.com/office/drawing/2018/hyperlinkcolor">
   <p:cSld>
     <p:spTree>
       <p:nvGrpSpPr>
-        <p:cNvPr id="180" name="Shape 180"/>
+        <p:cNvPr id="199" name="Shape 199"/>
         <p:cNvGrpSpPr/>
         <p:nvPr/>
       </p:nvGrpSpPr>
@@ -12034,7 +12780,7 @@
       </p:grpSpPr>
       <p:pic>
         <p:nvPicPr>
-          <p:cNvPr descr="CSUN_Logo.png" id="181" name="Google Shape;181;p22"/>
+          <p:cNvPr descr="CSUN_Logo.png" id="200" name="Google Shape;200;p24"/>
           <p:cNvPicPr preferRelativeResize="0"/>
           <p:nvPr/>
         </p:nvPicPr>
@@ -12084,7 +12830,7 @@
       </p:pic>
       <p:sp>
         <p:nvSpPr>
-          <p:cNvPr id="182" name="Google Shape;182;p22"/>
+          <p:cNvPr id="201" name="Google Shape;201;p24"/>
           <p:cNvSpPr/>
           <p:nvPr/>
         </p:nvSpPr>
@@ -12142,7 +12888,7 @@
       </p:sp>
       <p:sp>
         <p:nvSpPr>
-          <p:cNvPr id="183" name="Google Shape;183;p22"/>
+          <p:cNvPr id="202" name="Google Shape;202;p24"/>
           <p:cNvSpPr/>
           <p:nvPr/>
         </p:nvSpPr>
@@ -12374,21 +13120,9 @@
                 <a:cs typeface="Calibri"/>
                 <a:sym typeface="Calibri"/>
               </a:rPr>
-              <a:t>Since Flask doesn’t handle multiple requests at once, the database was never simultaneously queried </a:t>
-            </a:r>
-            <a:r>
-              <a:rPr b="1" i="1" lang="en-US" sz="1900">
-                <a:solidFill>
-                  <a:srgbClr val="FFFFFF"/>
-                </a:solidFill>
-                <a:latin typeface="Calibri"/>
-                <a:ea typeface="Calibri"/>
-                <a:cs typeface="Calibri"/>
-                <a:sym typeface="Calibri"/>
-              </a:rPr>
-              <a:t>(which in practice is supposed to be allowed to happen)</a:t>
-            </a:r>
-            <a:endParaRPr b="1" i="1" sz="1900">
+              <a:t>Since Flask doesn’t handle multiple requests at once, database connections weren’t pooled</a:t>
+            </a:r>
+            <a:endParaRPr b="1" sz="1900">
               <a:solidFill>
                 <a:srgbClr val="FFFFFF"/>
               </a:solidFill>
@@ -12399,6 +13133,67 @@
             </a:endParaRPr>
           </a:p>
           <a:p>
+            <a:pPr indent="-349250" lvl="2" marL="1371600" marR="0" rtl="0" algn="l">
+              <a:spcBef>
+                <a:spcPts val="0"/>
+              </a:spcBef>
+              <a:spcAft>
+                <a:spcPts val="0"/>
+              </a:spcAft>
+              <a:buClr>
+                <a:srgbClr val="FFFFFF"/>
+              </a:buClr>
+              <a:buSzPts val="1900"/>
+              <a:buFont typeface="Calibri"/>
+              <a:buChar char="■"/>
+            </a:pPr>
+            <a:r>
+              <a:rPr b="1" lang="en-US" sz="1900">
+                <a:solidFill>
+                  <a:srgbClr val="FFFFFF"/>
+                </a:solidFill>
+                <a:latin typeface="Calibri"/>
+                <a:ea typeface="Calibri"/>
+                <a:cs typeface="Calibri"/>
+                <a:sym typeface="Calibri"/>
+              </a:rPr>
+              <a:t>Meaning only one connection to the DB was </a:t>
+            </a:r>
+            <a:r>
+              <a:rPr b="1" lang="en-US" sz="1900">
+                <a:solidFill>
+                  <a:srgbClr val="FFFFFF"/>
+                </a:solidFill>
+                <a:latin typeface="Calibri"/>
+                <a:ea typeface="Calibri"/>
+                <a:cs typeface="Calibri"/>
+                <a:sym typeface="Calibri"/>
+              </a:rPr>
+              <a:t>maintained</a:t>
+            </a:r>
+            <a:r>
+              <a:rPr b="1" lang="en-US" sz="1900">
+                <a:solidFill>
+                  <a:srgbClr val="FFFFFF"/>
+                </a:solidFill>
+                <a:latin typeface="Calibri"/>
+                <a:ea typeface="Calibri"/>
+                <a:cs typeface="Calibri"/>
+                <a:sym typeface="Calibri"/>
+              </a:rPr>
+              <a:t> at all times</a:t>
+            </a:r>
+            <a:endParaRPr b="1" sz="1900">
+              <a:solidFill>
+                <a:srgbClr val="FFFFFF"/>
+              </a:solidFill>
+              <a:latin typeface="Calibri"/>
+              <a:ea typeface="Calibri"/>
+              <a:cs typeface="Calibri"/>
+              <a:sym typeface="Calibri"/>
+            </a:endParaRPr>
+          </a:p>
+          <a:p>
             <a:pPr indent="-349250" lvl="1" marL="914400" marR="0" rtl="0" algn="l">
               <a:spcBef>
                 <a:spcPts val="0"/>
@@ -12437,7 +13232,7 @@
               </a:rPr>
               <a:t>5000 asynchronous requests (FastAPI)</a:t>
             </a:r>
-            <a:endParaRPr b="1" sz="1900" u="sng">
+            <a:endParaRPr b="1" sz="1900">
               <a:solidFill>
                 <a:srgbClr val="FFFFFF"/>
               </a:solidFill>
@@ -12457,12 +13252,12 @@
 </p:sld>
 </file>
 
-<file path=ppt/slides/slide15.xml><?xml version="1.0" encoding="utf-8"?>
+<file path=ppt/slides/slide17.xml><?xml version="1.0" encoding="utf-8"?>
 <p:sld xmlns:a="http://schemas.openxmlformats.org/drawingml/2006/main" xmlns:r="http://schemas.openxmlformats.org/officeDocument/2006/relationships" xmlns:mc="http://schemas.openxmlformats.org/markup-compatibility/2006" xmlns:mv="urn:schemas-microsoft-com:mac:vml" xmlns:p="http://schemas.openxmlformats.org/presentationml/2006/main" xmlns:c="http://schemas.openxmlformats.org/drawingml/2006/chart" xmlns:dgm="http://schemas.openxmlformats.org/drawingml/2006/diagram" xmlns:o="urn:schemas-microsoft-com:office:office" xmlns:v="urn:schemas-microsoft-com:vml" xmlns:pvml="urn:schemas-microsoft-com:office:powerpoint" xmlns:com="http://schemas.openxmlformats.org/drawingml/2006/compatibility" xmlns:p14="http://schemas.microsoft.com/office/powerpoint/2010/main" xmlns:p15="http://schemas.microsoft.com/office/powerpoint/2012/main" xmlns:ahyp="http://schemas.microsoft.com/office/drawing/2018/hyperlinkcolor">
   <p:cSld>
     <p:spTree>
       <p:nvGrpSpPr>
-        <p:cNvPr id="188" name="Shape 188"/>
+        <p:cNvPr id="207" name="Shape 207"/>
         <p:cNvGrpSpPr/>
         <p:nvPr/>
       </p:nvGrpSpPr>
@@ -12476,7 +13271,7 @@
       </p:grpSpPr>
       <p:pic>
         <p:nvPicPr>
-          <p:cNvPr descr="CSUN_Logo.png" id="189" name="Google Shape;189;p23"/>
+          <p:cNvPr descr="CSUN_Logo.png" id="208" name="Google Shape;208;p25"/>
           <p:cNvPicPr preferRelativeResize="0"/>
           <p:nvPr/>
         </p:nvPicPr>
@@ -12526,7 +13321,7 @@
       </p:pic>
       <p:sp>
         <p:nvSpPr>
-          <p:cNvPr id="190" name="Google Shape;190;p23"/>
+          <p:cNvPr id="209" name="Google Shape;209;p25"/>
           <p:cNvSpPr/>
           <p:nvPr/>
         </p:nvSpPr>
@@ -12542,6 +13337,13 @@
           <a:ln>
             <a:noFill/>
           </a:ln>
+          <a:effectLst>
+            <a:outerShdw blurRad="57150" rotWithShape="0" algn="bl" dir="5400000" dist="19050">
+              <a:srgbClr val="000000">
+                <a:alpha val="50000"/>
+              </a:srgbClr>
+            </a:outerShdw>
+          </a:effectLst>
         </p:spPr>
         <p:txBody>
           <a:bodyPr anchorCtr="0" anchor="ctr" bIns="45700" lIns="91425" spcFirstLastPara="1" rIns="91425" wrap="square" tIns="45700">
@@ -12575,7 +13377,7 @@
       </p:sp>
       <p:sp>
         <p:nvSpPr>
-          <p:cNvPr id="191" name="Google Shape;191;p23"/>
+          <p:cNvPr id="210" name="Google Shape;210;p25"/>
           <p:cNvSpPr/>
           <p:nvPr/>
         </p:nvSpPr>
@@ -12617,7 +13419,15 @@
                 <a:cs typeface="Arial"/>
                 <a:sym typeface="Arial"/>
               </a:rPr>
-              <a:t>Questions?</a:t>
+              <a:t>Q</a:t>
+            </a:r>
+            <a:r>
+              <a:rPr b="1" lang="en-US" sz="3800">
+                <a:solidFill>
+                  <a:srgbClr val="D00D2D"/>
+                </a:solidFill>
+              </a:rPr>
+              <a:t>/A</a:t>
             </a:r>
             <a:endParaRPr b="1" sz="2400">
               <a:solidFill>
@@ -12748,21 +13558,22 @@
       </p:sp>
       <p:pic>
         <p:nvPicPr>
-          <p:cNvPr descr="Question mark on green pastel background" id="192" name="Google Shape;192;p23"/>
+          <p:cNvPr id="211" name="Google Shape;211;p25"/>
           <p:cNvPicPr preferRelativeResize="0"/>
           <p:nvPr/>
         </p:nvPicPr>
-        <p:blipFill rotWithShape="1">
+        <p:blipFill>
           <a:blip r:embed="rId4">
             <a:alphaModFix/>
           </a:blip>
-          <a:srcRect b="0" l="0" r="0" t="0"/>
-          <a:stretch/>
+          <a:stretch>
+            <a:fillRect/>
+          </a:stretch>
         </p:blipFill>
         <p:spPr>
           <a:xfrm>
-            <a:off x="0" y="1795347"/>
-            <a:ext cx="9144000" cy="3919312"/>
+            <a:off x="0" y="1730101"/>
+            <a:ext cx="9144001" cy="3901713"/>
           </a:xfrm>
           <a:prstGeom prst="rect">
             <a:avLst/>
@@ -12771,6 +13582,14 @@
           <a:ln>
             <a:noFill/>
           </a:ln>
+          <a:effectLst>
+            <a:outerShdw blurRad="1428750" rotWithShape="0" algn="bl" dist="19050">
+              <a:srgbClr val="FFFFFF">
+                <a:alpha val="62000"/>
+              </a:srgbClr>
+            </a:outerShdw>
+            <a:reflection blurRad="0" dir="5400000" dist="38100" endA="0" endPos="30000" fadeDir="5400012" kx="0" rotWithShape="0" algn="bl" stA="61000" stPos="0" sy="-100000" ky="0"/>
+          </a:effectLst>
         </p:spPr>
       </p:pic>
     </p:spTree>
@@ -12956,7 +13775,11 @@
             </a:pPr>
             <a:r>
               <a:rPr b="1" lang="en-US" sz="2100"/>
-              <a:t>Problem Definition</a:t>
+              <a:t>Solution</a:t>
+            </a:r>
+            <a:r>
+              <a:rPr b="1" lang="en-US" sz="2100"/>
+              <a:t> Definition</a:t>
             </a:r>
             <a:endParaRPr b="1" sz="2100"/>
           </a:p>
@@ -13085,7 +13908,7 @@
             </a:pPr>
             <a:r>
               <a:rPr b="1" lang="en-US" sz="2100"/>
-              <a:t>Questions</a:t>
+              <a:t>Q/A</a:t>
             </a:r>
             <a:endParaRPr/>
           </a:p>
@@ -13548,7 +14371,7 @@
                   <a:srgbClr val="FFFFFF"/>
                 </a:solidFill>
               </a:rPr>
-              <a:t>There exists portions of information that conflict</a:t>
+              <a:t>Some information simply hard to come by</a:t>
             </a:r>
             <a:endParaRPr b="1" sz="2200">
               <a:solidFill>
@@ -13576,7 +14399,7 @@
                   <a:srgbClr val="FFFFFF"/>
                 </a:solidFill>
               </a:rPr>
-              <a:t>Section information (i.e. enrollment count) differs in CSUN API and in the Registration Portal</a:t>
+              <a:t>Most notably, faculty information</a:t>
             </a:r>
             <a:endParaRPr b="1" sz="2200">
               <a:solidFill>
@@ -13585,6 +14408,81 @@
             </a:endParaRPr>
           </a:p>
           <a:p>
+            <a:pPr indent="-368300" lvl="2" marL="1371600" rtl="0" algn="l">
+              <a:spcBef>
+                <a:spcPts val="0"/>
+              </a:spcBef>
+              <a:spcAft>
+                <a:spcPts val="0"/>
+              </a:spcAft>
+              <a:buClr>
+                <a:srgbClr val="FFFF00"/>
+              </a:buClr>
+              <a:buSzPts val="2200"/>
+              <a:buChar char="■"/>
+            </a:pPr>
+            <a:r>
+              <a:rPr b="1" i="1" lang="en-US" sz="2200">
+                <a:solidFill>
+                  <a:srgbClr val="FFFF00"/>
+                </a:solidFill>
+              </a:rPr>
+              <a:t>More on this later…</a:t>
+            </a:r>
+            <a:endParaRPr b="1" i="1" sz="2200">
+              <a:solidFill>
+                <a:srgbClr val="FFFF00"/>
+              </a:solidFill>
+            </a:endParaRPr>
+          </a:p>
+          <a:p>
+            <a:pPr indent="0" lvl="0" marL="0" rtl="0" algn="l">
+              <a:spcBef>
+                <a:spcPts val="0"/>
+              </a:spcBef>
+              <a:spcAft>
+                <a:spcPts val="0"/>
+              </a:spcAft>
+              <a:buNone/>
+            </a:pPr>
+            <a:r>
+              <a:t/>
+            </a:r>
+            <a:endParaRPr b="1" sz="2200">
+              <a:solidFill>
+                <a:srgbClr val="FFFFFF"/>
+              </a:solidFill>
+            </a:endParaRPr>
+          </a:p>
+          <a:p>
+            <a:pPr indent="-368300" lvl="0" marL="457200" rtl="0" algn="l">
+              <a:spcBef>
+                <a:spcPts val="0"/>
+              </a:spcBef>
+              <a:spcAft>
+                <a:spcPts val="0"/>
+              </a:spcAft>
+              <a:buClr>
+                <a:srgbClr val="FFFFFF"/>
+              </a:buClr>
+              <a:buSzPts val="2200"/>
+              <a:buChar char="●"/>
+            </a:pPr>
+            <a:r>
+              <a:rPr b="1" lang="en-US" sz="2200">
+                <a:solidFill>
+                  <a:srgbClr val="FFFFFF"/>
+                </a:solidFill>
+              </a:rPr>
+              <a:t>There exists portions of information that conflict</a:t>
+            </a:r>
+            <a:endParaRPr b="1" sz="2200">
+              <a:solidFill>
+                <a:srgbClr val="FFFFFF"/>
+              </a:solidFill>
+            </a:endParaRPr>
+          </a:p>
+          <a:p>
             <a:pPr indent="-368300" lvl="1" marL="914400" rtl="0" algn="l">
               <a:spcBef>
                 <a:spcPts val="0"/>
@@ -13599,12 +14497,36 @@
               <a:buChar char="○"/>
             </a:pPr>
             <a:r>
+              <a:rPr b="1" lang="en-US" sz="2200"/>
+              <a:t>Catalog information (in Portal vs csun.edu) not consistent</a:t>
+            </a:r>
+            <a:endParaRPr b="1" sz="2200">
+              <a:solidFill>
+                <a:srgbClr val="FFFFFF"/>
+              </a:solidFill>
+            </a:endParaRPr>
+          </a:p>
+          <a:p>
+            <a:pPr indent="-368300" lvl="1" marL="914400" rtl="0" algn="l">
+              <a:spcBef>
+                <a:spcPts val="0"/>
+              </a:spcBef>
+              <a:spcAft>
+                <a:spcPts val="0"/>
+              </a:spcAft>
+              <a:buClr>
+                <a:srgbClr val="FFFFFF"/>
+              </a:buClr>
+              <a:buSzPts val="2200"/>
+              <a:buChar char="○"/>
+            </a:pPr>
+            <a:r>
               <a:rPr b="1" lang="en-US" sz="2200">
                 <a:solidFill>
                   <a:srgbClr val="FFFFFF"/>
                 </a:solidFill>
               </a:rPr>
-              <a:t>Catalog information (in Portal vs csun.edu) not consistent</a:t>
+              <a:t>Section information (i.e. enrollment count) differs in CSUN API and in the Registration Portal</a:t>
             </a:r>
             <a:endParaRPr b="1" sz="2200">
               <a:solidFill>
@@ -14057,12 +14979,20 @@
                 <a:solidFill>
                   <a:srgbClr val="D00D2D"/>
                 </a:solidFill>
+              </a:rPr>
+              <a:t>Solution </a:t>
+            </a:r>
+            <a:r>
+              <a:rPr b="1" lang="en-US" sz="3600">
+                <a:solidFill>
+                  <a:srgbClr val="D00D2D"/>
+                </a:solidFill>
                 <a:latin typeface="Arial"/>
                 <a:ea typeface="Arial"/>
                 <a:cs typeface="Arial"/>
                 <a:sym typeface="Arial"/>
               </a:rPr>
-              <a:t>Problem Definition</a:t>
+              <a:t>Definition</a:t>
             </a:r>
             <a:endParaRPr/>
           </a:p>
@@ -14653,18 +15583,14 @@
             </a:endParaRPr>
           </a:p>
           <a:p>
-            <a:pPr indent="-368300" lvl="0" marL="457200" rtl="0" algn="l">
-              <a:spcBef>
-                <a:spcPts val="0"/>
-              </a:spcBef>
-              <a:spcAft>
-                <a:spcPts val="0"/>
-              </a:spcAft>
-              <a:buClr>
-                <a:srgbClr val="FFFF00"/>
-              </a:buClr>
-              <a:buSzPts val="2200"/>
-              <a:buAutoNum type="arabicPeriod"/>
+            <a:pPr indent="0" lvl="0" marL="457200" rtl="0" algn="l">
+              <a:spcBef>
+                <a:spcPts val="0"/>
+              </a:spcBef>
+              <a:spcAft>
+                <a:spcPts val="0"/>
+              </a:spcAft>
+              <a:buNone/>
             </a:pPr>
             <a:r>
               <a:rPr b="1" lang="en-US" sz="2200">
@@ -14688,7 +15614,7 @@
                   <a:srgbClr val="FFFF00"/>
                 </a:solidFill>
               </a:rPr>
-              <a:t> keeping information that the consumer (students) sees as accurate as possible</a:t>
+              <a:t> keeping information that the stakeholder (students) sees as accurate as possible</a:t>
             </a:r>
             <a:endParaRPr b="1" sz="2200">
               <a:solidFill>
@@ -15949,7 +16875,7 @@
                 <a:cs typeface="Calibri"/>
                 <a:sym typeface="Calibri"/>
               </a:rPr>
-              <a:t>On our Ubuntu Server machine, created a service that is the sole python crawler</a:t>
+              <a:t>On our Ubuntu Server machine, created a service that is the python crawler</a:t>
             </a:r>
             <a:endParaRPr b="1" sz="1600">
               <a:solidFill>
@@ -15986,11 +16912,109 @@
                 <a:cs typeface="Calibri"/>
                 <a:sym typeface="Calibri"/>
               </a:rPr>
-              <a:t>The crawler uses the “schedule” library in Python that runs webscraper for the class schedule every night at midnight</a:t>
+              <a:t>The crawler uses the “schedule” library in Python that runs webscraper for the class schedule every night at midnight.</a:t>
             </a:r>
             <a:endParaRPr b="1" sz="1600">
               <a:solidFill>
                 <a:srgbClr val="FFFF00"/>
+              </a:solidFill>
+              <a:latin typeface="Calibri"/>
+              <a:ea typeface="Calibri"/>
+              <a:cs typeface="Calibri"/>
+              <a:sym typeface="Calibri"/>
+            </a:endParaRPr>
+          </a:p>
+          <a:p>
+            <a:pPr indent="-330200" lvl="2" marL="1371600" marR="0" rtl="0" algn="l">
+              <a:spcBef>
+                <a:spcPts val="0"/>
+              </a:spcBef>
+              <a:spcAft>
+                <a:spcPts val="0"/>
+              </a:spcAft>
+              <a:buClr>
+                <a:srgbClr val="FFFF00"/>
+              </a:buClr>
+              <a:buSzPts val="1600"/>
+              <a:buFont typeface="Calibri"/>
+              <a:buChar char="■"/>
+            </a:pPr>
+            <a:r>
+              <a:rPr b="1" lang="en-US" sz="1600">
+                <a:solidFill>
+                  <a:srgbClr val="FFFF00"/>
+                </a:solidFill>
+                <a:latin typeface="Calibri"/>
+                <a:ea typeface="Calibri"/>
+                <a:cs typeface="Calibri"/>
+                <a:sym typeface="Calibri"/>
+              </a:rPr>
+              <a:t>The schedule was changed to weekly after the drop date as things </a:t>
+            </a:r>
+            <a:r>
+              <a:rPr b="1" lang="en-US" sz="1600">
+                <a:solidFill>
+                  <a:srgbClr val="FFFF00"/>
+                </a:solidFill>
+                <a:latin typeface="Calibri"/>
+                <a:ea typeface="Calibri"/>
+                <a:cs typeface="Calibri"/>
+                <a:sym typeface="Calibri"/>
+              </a:rPr>
+              <a:t>don't</a:t>
+            </a:r>
+            <a:r>
+              <a:rPr b="1" lang="en-US" sz="1600">
+                <a:solidFill>
+                  <a:srgbClr val="FFFF00"/>
+                </a:solidFill>
+                <a:latin typeface="Calibri"/>
+                <a:ea typeface="Calibri"/>
+                <a:cs typeface="Calibri"/>
+                <a:sym typeface="Calibri"/>
+              </a:rPr>
+              <a:t> change much afterwards</a:t>
+            </a:r>
+            <a:endParaRPr b="1" sz="1600">
+              <a:solidFill>
+                <a:srgbClr val="FFFF00"/>
+              </a:solidFill>
+              <a:latin typeface="Calibri"/>
+              <a:ea typeface="Calibri"/>
+              <a:cs typeface="Calibri"/>
+              <a:sym typeface="Calibri"/>
+            </a:endParaRPr>
+          </a:p>
+          <a:p>
+            <a:pPr indent="-330200" lvl="0" marL="457200" marR="0" rtl="0" algn="l">
+              <a:spcBef>
+                <a:spcPts val="0"/>
+              </a:spcBef>
+              <a:spcAft>
+                <a:spcPts val="0"/>
+              </a:spcAft>
+              <a:buClr>
+                <a:srgbClr val="00FFFF"/>
+              </a:buClr>
+              <a:buSzPts val="1600"/>
+              <a:buFont typeface="Calibri"/>
+              <a:buChar char="●"/>
+            </a:pPr>
+            <a:r>
+              <a:rPr b="1" lang="en-US" sz="1600">
+                <a:solidFill>
+                  <a:srgbClr val="00FFFF"/>
+                </a:solidFill>
+                <a:latin typeface="Calibri"/>
+                <a:ea typeface="Calibri"/>
+                <a:cs typeface="Calibri"/>
+                <a:sym typeface="Calibri"/>
+              </a:rPr>
+              <a:t>**Only happened once during data aggregation, not on schedule</a:t>
+            </a:r>
+            <a:endParaRPr b="1" sz="1600">
+              <a:solidFill>
+                <a:srgbClr val="00FFFF"/>
               </a:solidFill>
               <a:latin typeface="Calibri"/>
               <a:ea typeface="Calibri"/>

--- a/documentation/presentations/White Volley Girls - Final Project Presentation (Season 2).pptx
+++ b/documentation/presentations/White Volley Girls - Final Project Presentation (Season 2).pptx
@@ -10857,11 +10857,71 @@
                 <a:cs typeface="Calibri"/>
                 <a:sym typeface="Calibri"/>
               </a:rPr>
-              <a:t>FUNC_SRS_(1.0) – The program shall have 3 distinct pages: Class Planner, Professor Viewer, Major Explorer</a:t>
+              <a:t>FUNC_SRS_(1.0) – The program shall have 3 distinct sets of tools: </a:t>
+            </a:r>
+            <a:r>
+              <a:rPr b="1" lang="en-US" sz="1600">
+                <a:solidFill>
+                  <a:srgbClr val="FFFF00"/>
+                </a:solidFill>
+                <a:latin typeface="Calibri"/>
+                <a:ea typeface="Calibri"/>
+                <a:cs typeface="Calibri"/>
+                <a:sym typeface="Calibri"/>
+              </a:rPr>
+              <a:t>Class Planner</a:t>
+            </a:r>
+            <a:r>
+              <a:rPr b="1" lang="en-US" sz="1600">
+                <a:solidFill>
+                  <a:schemeClr val="accent6"/>
+                </a:solidFill>
+                <a:latin typeface="Calibri"/>
+                <a:ea typeface="Calibri"/>
+                <a:cs typeface="Calibri"/>
+                <a:sym typeface="Calibri"/>
+              </a:rPr>
+              <a:t>, </a:t>
+            </a:r>
+            <a:r>
+              <a:rPr b="1" lang="en-US" sz="1600">
+                <a:solidFill>
+                  <a:srgbClr val="00FFFF"/>
+                </a:solidFill>
+                <a:latin typeface="Calibri"/>
+                <a:ea typeface="Calibri"/>
+                <a:cs typeface="Calibri"/>
+                <a:sym typeface="Calibri"/>
+              </a:rPr>
+              <a:t>Professor Viewer</a:t>
+            </a:r>
+            <a:r>
+              <a:rPr b="1" lang="en-US" sz="1600">
+                <a:solidFill>
+                  <a:schemeClr val="accent6"/>
+                </a:solidFill>
+                <a:latin typeface="Calibri"/>
+                <a:ea typeface="Calibri"/>
+                <a:cs typeface="Calibri"/>
+                <a:sym typeface="Calibri"/>
+              </a:rPr>
+              <a:t>, </a:t>
+            </a:r>
+            <a:r>
+              <a:rPr b="1" lang="en-US" sz="1600">
+                <a:solidFill>
+                  <a:srgbClr val="FF00FF"/>
+                </a:solidFill>
+                <a:latin typeface="Calibri"/>
+                <a:ea typeface="Calibri"/>
+                <a:cs typeface="Calibri"/>
+                <a:sym typeface="Calibri"/>
+              </a:rPr>
+              <a:t>Major Explorer</a:t>
             </a:r>
             <a:endParaRPr b="1" sz="1600">
               <a:solidFill>
-                <a:schemeClr val="accent6"/>
+                <a:srgbClr val="FF00FF"/>
               </a:solidFill>
               <a:latin typeface="Calibri"/>
               <a:ea typeface="Calibri"/>
@@ -10878,7 +10938,7 @@
                 <a:spcPts val="0"/>
               </a:spcAft>
               <a:buClr>
-                <a:srgbClr val="00FFFF"/>
+                <a:srgbClr val="FFFF00"/>
               </a:buClr>
               <a:buSzPts val="1600"/>
               <a:buFont typeface="Calibri"/>
@@ -10887,7 +10947,7 @@
             <a:r>
               <a:rPr b="1" lang="en-US" sz="1600">
                 <a:solidFill>
-                  <a:srgbClr val="00FFFF"/>
+                  <a:srgbClr val="FFFF00"/>
                 </a:solidFill>
                 <a:latin typeface="Calibri"/>
                 <a:ea typeface="Calibri"/>
@@ -10895,6 +10955,191 @@
                 <a:sym typeface="Calibri"/>
               </a:rPr>
               <a:t>FUNC_SRS_(2.0) - The Class Planner shall allow the user to explore classes and create possible schedules for a given semester</a:t>
+            </a:r>
+            <a:endParaRPr b="1" sz="1600">
+              <a:solidFill>
+                <a:srgbClr val="FFFF00"/>
+              </a:solidFill>
+              <a:latin typeface="Calibri"/>
+              <a:ea typeface="Calibri"/>
+              <a:cs typeface="Calibri"/>
+              <a:sym typeface="Calibri"/>
+            </a:endParaRPr>
+          </a:p>
+          <a:p>
+            <a:pPr indent="-330200" lvl="1" marL="914400" marR="0" rtl="0" algn="l">
+              <a:spcBef>
+                <a:spcPts val="0"/>
+              </a:spcBef>
+              <a:spcAft>
+                <a:spcPts val="0"/>
+              </a:spcAft>
+              <a:buClr>
+                <a:srgbClr val="FFFF00"/>
+              </a:buClr>
+              <a:buSzPts val="1600"/>
+              <a:buFont typeface="Calibri"/>
+              <a:buChar char="○"/>
+            </a:pPr>
+            <a:r>
+              <a:rPr b="1" lang="en-US" sz="1600">
+                <a:solidFill>
+                  <a:srgbClr val="FFFF00"/>
+                </a:solidFill>
+                <a:latin typeface="Calibri"/>
+                <a:ea typeface="Calibri"/>
+                <a:cs typeface="Calibri"/>
+                <a:sym typeface="Calibri"/>
+              </a:rPr>
+              <a:t>FUNC_SRS_(2.1) - The Class Planner shall allow the user to pick classes and react as the user selects a class.</a:t>
+            </a:r>
+            <a:endParaRPr b="1" sz="1600">
+              <a:solidFill>
+                <a:srgbClr val="FFFF00"/>
+              </a:solidFill>
+              <a:latin typeface="Calibri"/>
+              <a:ea typeface="Calibri"/>
+              <a:cs typeface="Calibri"/>
+              <a:sym typeface="Calibri"/>
+            </a:endParaRPr>
+          </a:p>
+          <a:p>
+            <a:pPr indent="-330200" lvl="1" marL="914400" marR="0" rtl="0" algn="l">
+              <a:spcBef>
+                <a:spcPts val="0"/>
+              </a:spcBef>
+              <a:spcAft>
+                <a:spcPts val="0"/>
+              </a:spcAft>
+              <a:buClr>
+                <a:srgbClr val="FFFF00"/>
+              </a:buClr>
+              <a:buSzPts val="1600"/>
+              <a:buFont typeface="Calibri"/>
+              <a:buChar char="○"/>
+            </a:pPr>
+            <a:r>
+              <a:rPr b="1" lang="en-US" sz="1600">
+                <a:solidFill>
+                  <a:srgbClr val="FFFF00"/>
+                </a:solidFill>
+                <a:latin typeface="Calibri"/>
+                <a:ea typeface="Calibri"/>
+                <a:cs typeface="Calibri"/>
+                <a:sym typeface="Calibri"/>
+              </a:rPr>
+              <a:t>FUNC_SRS_(2.2) - The tool shall have dropdowns that allow the user to pick a subject and have it display all the sections available for that subject in a pre-chosen semester.</a:t>
+            </a:r>
+            <a:endParaRPr b="1" sz="1600">
+              <a:solidFill>
+                <a:srgbClr val="FFFF00"/>
+              </a:solidFill>
+              <a:latin typeface="Calibri"/>
+              <a:ea typeface="Calibri"/>
+              <a:cs typeface="Calibri"/>
+              <a:sym typeface="Calibri"/>
+            </a:endParaRPr>
+          </a:p>
+          <a:p>
+            <a:pPr indent="-330200" lvl="1" marL="914400" marR="0" rtl="0" algn="l">
+              <a:spcBef>
+                <a:spcPts val="0"/>
+              </a:spcBef>
+              <a:spcAft>
+                <a:spcPts val="0"/>
+              </a:spcAft>
+              <a:buClr>
+                <a:srgbClr val="FFFF00"/>
+              </a:buClr>
+              <a:buSzPts val="1600"/>
+              <a:buFont typeface="Calibri"/>
+              <a:buChar char="○"/>
+            </a:pPr>
+            <a:r>
+              <a:rPr b="1" lang="en-US" sz="1600">
+                <a:solidFill>
+                  <a:srgbClr val="FFFF00"/>
+                </a:solidFill>
+                <a:latin typeface="Calibri"/>
+                <a:ea typeface="Calibri"/>
+                <a:cs typeface="Calibri"/>
+                <a:sym typeface="Calibri"/>
+              </a:rPr>
+              <a:t>FUNC_SRS_(2.3) - If the user attempts to pick a class that conflicts with an already chosen class, it shall warn the user that the schedule would be invalid.</a:t>
+            </a:r>
+            <a:endParaRPr b="1" sz="1600">
+              <a:solidFill>
+                <a:srgbClr val="FFFF00"/>
+              </a:solidFill>
+              <a:latin typeface="Calibri"/>
+              <a:ea typeface="Calibri"/>
+              <a:cs typeface="Calibri"/>
+              <a:sym typeface="Calibri"/>
+            </a:endParaRPr>
+          </a:p>
+          <a:p>
+            <a:pPr indent="-330200" lvl="1" marL="914400" marR="0" rtl="0" algn="l">
+              <a:spcBef>
+                <a:spcPts val="0"/>
+              </a:spcBef>
+              <a:spcAft>
+                <a:spcPts val="0"/>
+              </a:spcAft>
+              <a:buClr>
+                <a:srgbClr val="FFFF00"/>
+              </a:buClr>
+              <a:buSzPts val="1600"/>
+              <a:buFont typeface="Calibri"/>
+              <a:buChar char="○"/>
+            </a:pPr>
+            <a:r>
+              <a:rPr b="1" lang="en-US" sz="1600">
+                <a:solidFill>
+                  <a:srgbClr val="FFFF00"/>
+                </a:solidFill>
+                <a:latin typeface="Calibri"/>
+                <a:ea typeface="Calibri"/>
+                <a:cs typeface="Calibri"/>
+                <a:sym typeface="Calibri"/>
+              </a:rPr>
+              <a:t>FUNC_SRS_(2.4) - Per class chosen, the tool shall show the user the tuition cost of their current selections and should update on every addition or removal of a class</a:t>
+            </a:r>
+            <a:endParaRPr b="1" sz="1600">
+              <a:solidFill>
+                <a:srgbClr val="FFFF00"/>
+              </a:solidFill>
+              <a:latin typeface="Calibri"/>
+              <a:ea typeface="Calibri"/>
+              <a:cs typeface="Calibri"/>
+              <a:sym typeface="Calibri"/>
+            </a:endParaRPr>
+          </a:p>
+          <a:p>
+            <a:pPr indent="-330200" lvl="0" marL="457200" marR="0" rtl="0" algn="l">
+              <a:spcBef>
+                <a:spcPts val="0"/>
+              </a:spcBef>
+              <a:spcAft>
+                <a:spcPts val="0"/>
+              </a:spcAft>
+              <a:buClr>
+                <a:srgbClr val="00FFFF"/>
+              </a:buClr>
+              <a:buSzPts val="1600"/>
+              <a:buFont typeface="Calibri"/>
+              <a:buChar char="●"/>
+            </a:pPr>
+            <a:r>
+              <a:rPr b="1" lang="en-US" sz="1600">
+                <a:solidFill>
+                  <a:srgbClr val="00FFFF"/>
+                </a:solidFill>
+                <a:latin typeface="Calibri"/>
+                <a:ea typeface="Calibri"/>
+                <a:cs typeface="Calibri"/>
+                <a:sym typeface="Calibri"/>
+              </a:rPr>
+              <a:t>FUNC_SRS_(3.0) - The professor viewer shall allow the user to look at professors within a chosen department.</a:t>
             </a:r>
             <a:endParaRPr b="1" sz="1600">
               <a:solidFill>
@@ -10931,7 +11176,7 @@
                 <a:cs typeface="Calibri"/>
                 <a:sym typeface="Calibri"/>
               </a:rPr>
-              <a:t>FUNC_SRS_(2.1) - The Class Planner shall allow the user to pick classes and react as the user selects a class.</a:t>
+              <a:t>FUNC_SRS_(3.1) - The product shall allow users to rate a professor for a given class in a given subject.</a:t>
             </a:r>
             <a:endParaRPr b="1" sz="1600">
               <a:solidFill>
@@ -10968,7 +11213,7 @@
                 <a:cs typeface="Calibri"/>
                 <a:sym typeface="Calibri"/>
               </a:rPr>
-              <a:t>FUNC_SRS_(2.2) - The tool shall have dropdowns that allow the user to pick a subject and have it display all the sections available for that subject in a pre-chosen semester.</a:t>
+              <a:t>FUNC_SRS_(3.2) - The viewer shall display contact information as available of professors within a department. The viewer will provide information available about a Professor as such.</a:t>
             </a:r>
             <a:endParaRPr b="1" sz="1600">
               <a:solidFill>
@@ -10981,80 +11226,6 @@
             </a:endParaRPr>
           </a:p>
           <a:p>
-            <a:pPr indent="-330200" lvl="1" marL="914400" marR="0" rtl="0" algn="l">
-              <a:spcBef>
-                <a:spcPts val="0"/>
-              </a:spcBef>
-              <a:spcAft>
-                <a:spcPts val="0"/>
-              </a:spcAft>
-              <a:buClr>
-                <a:srgbClr val="00FFFF"/>
-              </a:buClr>
-              <a:buSzPts val="1600"/>
-              <a:buFont typeface="Calibri"/>
-              <a:buChar char="○"/>
-            </a:pPr>
-            <a:r>
-              <a:rPr b="1" lang="en-US" sz="1600">
-                <a:solidFill>
-                  <a:srgbClr val="00FFFF"/>
-                </a:solidFill>
-                <a:latin typeface="Calibri"/>
-                <a:ea typeface="Calibri"/>
-                <a:cs typeface="Calibri"/>
-                <a:sym typeface="Calibri"/>
-              </a:rPr>
-              <a:t>FUNC_SRS_(2.3) - If the user attempts to pick a class that conflicts with an already chosen class, it shall warn the user that the schedule would be invalid.</a:t>
-            </a:r>
-            <a:endParaRPr b="1" sz="1600">
-              <a:solidFill>
-                <a:srgbClr val="00FFFF"/>
-              </a:solidFill>
-              <a:latin typeface="Calibri"/>
-              <a:ea typeface="Calibri"/>
-              <a:cs typeface="Calibri"/>
-              <a:sym typeface="Calibri"/>
-            </a:endParaRPr>
-          </a:p>
-          <a:p>
-            <a:pPr indent="-330200" lvl="1" marL="914400" marR="0" rtl="0" algn="l">
-              <a:spcBef>
-                <a:spcPts val="0"/>
-              </a:spcBef>
-              <a:spcAft>
-                <a:spcPts val="0"/>
-              </a:spcAft>
-              <a:buClr>
-                <a:srgbClr val="00FFFF"/>
-              </a:buClr>
-              <a:buSzPts val="1600"/>
-              <a:buFont typeface="Calibri"/>
-              <a:buChar char="○"/>
-            </a:pPr>
-            <a:r>
-              <a:rPr b="1" lang="en-US" sz="1600">
-                <a:solidFill>
-                  <a:srgbClr val="00FFFF"/>
-                </a:solidFill>
-                <a:latin typeface="Calibri"/>
-                <a:ea typeface="Calibri"/>
-                <a:cs typeface="Calibri"/>
-                <a:sym typeface="Calibri"/>
-              </a:rPr>
-              <a:t>FUNC_SRS_(2.4) - Per class chosen, the tool shall show the user the tuition cost of their current selections and should update on every addition or removal of a class</a:t>
-            </a:r>
-            <a:endParaRPr b="1" sz="1600">
-              <a:solidFill>
-                <a:srgbClr val="00FFFF"/>
-              </a:solidFill>
-              <a:latin typeface="Calibri"/>
-              <a:ea typeface="Calibri"/>
-              <a:cs typeface="Calibri"/>
-              <a:sym typeface="Calibri"/>
-            </a:endParaRPr>
-          </a:p>
-          <a:p>
             <a:pPr indent="-330200" lvl="0" marL="457200" marR="0" rtl="0" algn="l">
               <a:spcBef>
                 <a:spcPts val="0"/>
@@ -11063,7 +11234,7 @@
                 <a:spcPts val="0"/>
               </a:spcAft>
               <a:buClr>
-                <a:schemeClr val="accent6"/>
+                <a:srgbClr val="FF00FF"/>
               </a:buClr>
               <a:buSzPts val="1600"/>
               <a:buFont typeface="Calibri"/>
@@ -11072,118 +11243,7 @@
             <a:r>
               <a:rPr b="1" lang="en-US" sz="1600">
                 <a:solidFill>
-                  <a:schemeClr val="accent6"/>
-                </a:solidFill>
-                <a:latin typeface="Calibri"/>
-                <a:ea typeface="Calibri"/>
-                <a:cs typeface="Calibri"/>
-                <a:sym typeface="Calibri"/>
-              </a:rPr>
-              <a:t>FUNC_SRS_(3.0) - The professor viewer shall allow the user to look at professors within a chosen department.</a:t>
-            </a:r>
-            <a:endParaRPr b="1" sz="1600">
-              <a:solidFill>
-                <a:schemeClr val="accent6"/>
-              </a:solidFill>
-              <a:latin typeface="Calibri"/>
-              <a:ea typeface="Calibri"/>
-              <a:cs typeface="Calibri"/>
-              <a:sym typeface="Calibri"/>
-            </a:endParaRPr>
-          </a:p>
-          <a:p>
-            <a:pPr indent="-330200" lvl="1" marL="914400" marR="0" rtl="0" algn="l">
-              <a:spcBef>
-                <a:spcPts val="0"/>
-              </a:spcBef>
-              <a:spcAft>
-                <a:spcPts val="0"/>
-              </a:spcAft>
-              <a:buClr>
-                <a:schemeClr val="accent6"/>
-              </a:buClr>
-              <a:buSzPts val="1600"/>
-              <a:buFont typeface="Calibri"/>
-              <a:buChar char="○"/>
-            </a:pPr>
-            <a:r>
-              <a:rPr b="1" lang="en-US" sz="1600">
-                <a:solidFill>
-                  <a:schemeClr val="accent6"/>
-                </a:solidFill>
-                <a:latin typeface="Calibri"/>
-                <a:ea typeface="Calibri"/>
-                <a:cs typeface="Calibri"/>
-                <a:sym typeface="Calibri"/>
-              </a:rPr>
-              <a:t>FUNC_SRS_(3.1) - The product shall allow users to rate a professor for a given class in a given subject.</a:t>
-            </a:r>
-            <a:endParaRPr b="1" sz="1600">
-              <a:solidFill>
-                <a:schemeClr val="accent6"/>
-              </a:solidFill>
-              <a:latin typeface="Calibri"/>
-              <a:ea typeface="Calibri"/>
-              <a:cs typeface="Calibri"/>
-              <a:sym typeface="Calibri"/>
-            </a:endParaRPr>
-          </a:p>
-          <a:p>
-            <a:pPr indent="-330200" lvl="1" marL="914400" marR="0" rtl="0" algn="l">
-              <a:spcBef>
-                <a:spcPts val="0"/>
-              </a:spcBef>
-              <a:spcAft>
-                <a:spcPts val="0"/>
-              </a:spcAft>
-              <a:buClr>
-                <a:schemeClr val="accent6"/>
-              </a:buClr>
-              <a:buSzPts val="1600"/>
-              <a:buFont typeface="Calibri"/>
-              <a:buChar char="○"/>
-            </a:pPr>
-            <a:r>
-              <a:rPr b="1" lang="en-US" sz="1600">
-                <a:solidFill>
-                  <a:schemeClr val="accent6"/>
-                </a:solidFill>
-                <a:latin typeface="Calibri"/>
-                <a:ea typeface="Calibri"/>
-                <a:cs typeface="Calibri"/>
-                <a:sym typeface="Calibri"/>
-              </a:rPr>
-              <a:t>FUNC_SRS_(3.2) - The viewer shall display contact information as available of professors within a department. The viewer will provide information available about a Professor as such.</a:t>
-            </a:r>
-            <a:endParaRPr b="1" sz="1600">
-              <a:solidFill>
-                <a:schemeClr val="accent6"/>
-              </a:solidFill>
-              <a:latin typeface="Calibri"/>
-              <a:ea typeface="Calibri"/>
-              <a:cs typeface="Calibri"/>
-              <a:sym typeface="Calibri"/>
-            </a:endParaRPr>
-          </a:p>
-          <a:p>
-            <a:pPr indent="-330200" lvl="0" marL="457200" marR="0" rtl="0" algn="l">
-              <a:spcBef>
-                <a:spcPts val="0"/>
-              </a:spcBef>
-              <a:spcAft>
-                <a:spcPts val="0"/>
-              </a:spcAft>
-              <a:buClr>
-                <a:srgbClr val="00FFFF"/>
-              </a:buClr>
-              <a:buSzPts val="1600"/>
-              <a:buFont typeface="Calibri"/>
-              <a:buChar char="●"/>
-            </a:pPr>
-            <a:r>
-              <a:rPr b="1" lang="en-US" sz="1600">
-                <a:solidFill>
-                  <a:srgbClr val="00FFFF"/>
+                  <a:srgbClr val="FF00FF"/>
                 </a:solidFill>
                 <a:latin typeface="Calibri"/>
                 <a:ea typeface="Calibri"/>
@@ -11194,7 +11254,7 @@
             </a:r>
             <a:endParaRPr b="1" sz="2800">
               <a:solidFill>
-                <a:srgbClr val="00FFFF"/>
+                <a:srgbClr val="FF00FF"/>
               </a:solidFill>
               <a:latin typeface="Calibri"/>
               <a:ea typeface="Calibri"/>
@@ -11323,7 +11383,7 @@
                 <a:cs typeface="Arial"/>
                 <a:sym typeface="Arial"/>
               </a:rPr>
-              <a:t>Software Testing Methodology</a:t>
+              <a:t>Software Testing</a:t>
             </a:r>
             <a:endParaRPr b="1" sz="3600">
               <a:solidFill>
@@ -11756,7 +11816,7 @@
                 <a:cs typeface="Calibri"/>
                 <a:sym typeface="Calibri"/>
               </a:rPr>
-              <a:t>Checks if each GET endpoint returned a status code of 200 </a:t>
+              <a:t>Checks each GET endpoint, expects 200 status code </a:t>
             </a:r>
             <a:endParaRPr b="1" sz="1900">
               <a:solidFill>
@@ -11793,7 +11853,44 @@
                 <a:cs typeface="Calibri"/>
                 <a:sym typeface="Calibri"/>
               </a:rPr>
-              <a:t>POSTS returned a 405 status code when you attempt to visit the URL mapped to each endpoint</a:t>
+              <a:t>Checks valid and invalid test bodies for POSTS, expects 200 status code</a:t>
+            </a:r>
+            <a:endParaRPr b="1" sz="1900">
+              <a:solidFill>
+                <a:schemeClr val="accent6"/>
+              </a:solidFill>
+              <a:latin typeface="Calibri"/>
+              <a:ea typeface="Calibri"/>
+              <a:cs typeface="Calibri"/>
+              <a:sym typeface="Calibri"/>
+            </a:endParaRPr>
+          </a:p>
+          <a:p>
+            <a:pPr indent="-349250" lvl="1" marL="914400" marR="0" rtl="0" algn="l">
+              <a:spcBef>
+                <a:spcPts val="0"/>
+              </a:spcBef>
+              <a:spcAft>
+                <a:spcPts val="0"/>
+              </a:spcAft>
+              <a:buClr>
+                <a:schemeClr val="accent6"/>
+              </a:buClr>
+              <a:buSzPts val="1900"/>
+              <a:buFont typeface="Calibri"/>
+              <a:buChar char="○"/>
+            </a:pPr>
+            <a:r>
+              <a:rPr b="1" lang="en-US" sz="1900">
+                <a:solidFill>
+                  <a:schemeClr val="accent6"/>
+                </a:solidFill>
+                <a:latin typeface="Calibri"/>
+                <a:ea typeface="Calibri"/>
+                <a:cs typeface="Calibri"/>
+                <a:sym typeface="Calibri"/>
+              </a:rPr>
+              <a:t>POSTS returned a 405 status code when you attempt GET.</a:t>
             </a:r>
             <a:endParaRPr b="1" sz="1900">
               <a:solidFill>
@@ -12018,6 +12115,259 @@
             </a:endParaRPr>
           </a:p>
           <a:p>
+            <a:pPr indent="0" lvl="0" marL="0" marR="0" rtl="0" algn="l">
+              <a:spcBef>
+                <a:spcPts val="0"/>
+              </a:spcBef>
+              <a:spcAft>
+                <a:spcPts val="0"/>
+              </a:spcAft>
+              <a:buNone/>
+            </a:pPr>
+            <a:r>
+              <a:t/>
+            </a:r>
+            <a:endParaRPr b="1" sz="2400" u="sng">
+              <a:solidFill>
+                <a:srgbClr val="0563C1"/>
+              </a:solidFill>
+              <a:latin typeface="Calibri"/>
+              <a:ea typeface="Calibri"/>
+              <a:cs typeface="Calibri"/>
+              <a:sym typeface="Calibri"/>
+            </a:endParaRPr>
+          </a:p>
+          <a:p>
+            <a:pPr indent="0" lvl="0" marL="0" marR="0" rtl="0" algn="l">
+              <a:spcBef>
+                <a:spcPts val="0"/>
+              </a:spcBef>
+              <a:spcAft>
+                <a:spcPts val="0"/>
+              </a:spcAft>
+              <a:buNone/>
+            </a:pPr>
+            <a:r>
+              <a:t/>
+            </a:r>
+            <a:endParaRPr b="1" sz="2400" u="sng">
+              <a:solidFill>
+                <a:srgbClr val="0563C1"/>
+              </a:solidFill>
+              <a:latin typeface="Calibri"/>
+              <a:ea typeface="Calibri"/>
+              <a:cs typeface="Calibri"/>
+              <a:sym typeface="Calibri"/>
+            </a:endParaRPr>
+          </a:p>
+          <a:p>
+            <a:pPr indent="0" lvl="0" marL="0" marR="0" rtl="0" algn="l">
+              <a:spcBef>
+                <a:spcPts val="0"/>
+              </a:spcBef>
+              <a:spcAft>
+                <a:spcPts val="0"/>
+              </a:spcAft>
+              <a:buNone/>
+            </a:pPr>
+            <a:r>
+              <a:t/>
+            </a:r>
+            <a:endParaRPr b="1" sz="2400" u="sng">
+              <a:solidFill>
+                <a:srgbClr val="0563C1"/>
+              </a:solidFill>
+              <a:latin typeface="Calibri"/>
+              <a:ea typeface="Calibri"/>
+              <a:cs typeface="Calibri"/>
+              <a:sym typeface="Calibri"/>
+            </a:endParaRPr>
+          </a:p>
+          <a:p>
+            <a:pPr indent="0" lvl="0" marL="0" marR="0" rtl="0" algn="l">
+              <a:spcBef>
+                <a:spcPts val="0"/>
+              </a:spcBef>
+              <a:spcAft>
+                <a:spcPts val="0"/>
+              </a:spcAft>
+              <a:buNone/>
+            </a:pPr>
+            <a:r>
+              <a:t/>
+            </a:r>
+            <a:endParaRPr b="1" sz="2400" u="sng">
+              <a:solidFill>
+                <a:srgbClr val="0563C1"/>
+              </a:solidFill>
+              <a:latin typeface="Calibri"/>
+              <a:ea typeface="Calibri"/>
+              <a:cs typeface="Calibri"/>
+              <a:sym typeface="Calibri"/>
+            </a:endParaRPr>
+          </a:p>
+          <a:p>
+            <a:pPr indent="-412750" lvl="0" marL="457200" marR="0" rtl="0" algn="l">
+              <a:spcBef>
+                <a:spcPts val="0"/>
+              </a:spcBef>
+              <a:spcAft>
+                <a:spcPts val="0"/>
+              </a:spcAft>
+              <a:buClr>
+                <a:srgbClr val="FFFF00"/>
+              </a:buClr>
+              <a:buSzPts val="2900"/>
+              <a:buFont typeface="Calibri"/>
+              <a:buChar char="●"/>
+            </a:pPr>
+            <a:r>
+              <a:rPr b="1" i="1" lang="en-US" sz="2900" u="sng">
+                <a:solidFill>
+                  <a:srgbClr val="FFFF00"/>
+                </a:solidFill>
+                <a:latin typeface="Calibri"/>
+                <a:ea typeface="Calibri"/>
+                <a:cs typeface="Calibri"/>
+                <a:sym typeface="Calibri"/>
+              </a:rPr>
+              <a:t>TRY IT!!!</a:t>
+            </a:r>
+            <a:endParaRPr b="1" i="1" sz="2900" u="sng">
+              <a:solidFill>
+                <a:srgbClr val="FFFF00"/>
+              </a:solidFill>
+              <a:latin typeface="Calibri"/>
+              <a:ea typeface="Calibri"/>
+              <a:cs typeface="Calibri"/>
+              <a:sym typeface="Calibri"/>
+            </a:endParaRPr>
+          </a:p>
+          <a:p>
+            <a:pPr indent="-412750" lvl="1" marL="914400" marR="0" rtl="0" algn="l">
+              <a:spcBef>
+                <a:spcPts val="0"/>
+              </a:spcBef>
+              <a:spcAft>
+                <a:spcPts val="0"/>
+              </a:spcAft>
+              <a:buClr>
+                <a:srgbClr val="FFFF00"/>
+              </a:buClr>
+              <a:buSzPts val="2900"/>
+              <a:buFont typeface="Calibri"/>
+              <a:buChar char="○"/>
+            </a:pPr>
+            <a:r>
+              <a:rPr b="1" lang="en-US" sz="2900">
+                <a:solidFill>
+                  <a:srgbClr val="FFFF00"/>
+                </a:solidFill>
+                <a:latin typeface="Calibri"/>
+                <a:ea typeface="Calibri"/>
+                <a:cs typeface="Calibri"/>
+                <a:sym typeface="Calibri"/>
+              </a:rPr>
+              <a:t>Website:</a:t>
+            </a:r>
+            <a:r>
+              <a:rPr b="1" lang="en-US" sz="2900">
+                <a:solidFill>
+                  <a:srgbClr val="FFFF00"/>
+                </a:solidFill>
+                <a:latin typeface="Calibri"/>
+                <a:ea typeface="Calibri"/>
+                <a:cs typeface="Calibri"/>
+                <a:sym typeface="Calibri"/>
+              </a:rPr>
+              <a:t> </a:t>
+            </a:r>
+            <a:r>
+              <a:rPr b="1" lang="en-US" sz="2900" u="sng">
+                <a:solidFill>
+                  <a:srgbClr val="FFFF00"/>
+                </a:solidFill>
+                <a:latin typeface="Calibri"/>
+                <a:ea typeface="Calibri"/>
+                <a:cs typeface="Calibri"/>
+                <a:sym typeface="Calibri"/>
+                <a:hlinkClick r:id="rId5">
+                  <a:extLst>
+                    <a:ext uri="{A12FA001-AC4F-418D-AE19-62706E023703}">
+                      <ahyp:hlinkClr val="tx"/>
+                    </a:ext>
+                  </a:extLst>
+                </a:hlinkClick>
+              </a:rPr>
+              <a:t>https://csundash.kyeou.xyz</a:t>
+            </a:r>
+            <a:endParaRPr b="1" sz="2900" u="sng">
+              <a:solidFill>
+                <a:srgbClr val="FFFF00"/>
+              </a:solidFill>
+              <a:latin typeface="Calibri"/>
+              <a:ea typeface="Calibri"/>
+              <a:cs typeface="Calibri"/>
+              <a:sym typeface="Calibri"/>
+            </a:endParaRPr>
+          </a:p>
+          <a:p>
+            <a:pPr indent="-412750" lvl="1" marL="914400" marR="0" rtl="0" algn="l">
+              <a:spcBef>
+                <a:spcPts val="0"/>
+              </a:spcBef>
+              <a:spcAft>
+                <a:spcPts val="0"/>
+              </a:spcAft>
+              <a:buClr>
+                <a:srgbClr val="FFFF00"/>
+              </a:buClr>
+              <a:buSzPts val="2900"/>
+              <a:buFont typeface="Calibri"/>
+              <a:buChar char="○"/>
+            </a:pPr>
+            <a:r>
+              <a:rPr b="1" lang="en-US" sz="2900">
+                <a:solidFill>
+                  <a:srgbClr val="FFFF00"/>
+                </a:solidFill>
+                <a:latin typeface="Calibri"/>
+                <a:ea typeface="Calibri"/>
+                <a:cs typeface="Calibri"/>
+                <a:sym typeface="Calibri"/>
+              </a:rPr>
+              <a:t>API: </a:t>
+            </a:r>
+            <a:r>
+              <a:rPr b="1" lang="en-US" sz="2900" u="sng">
+                <a:solidFill>
+                  <a:srgbClr val="FFFF00"/>
+                </a:solidFill>
+                <a:latin typeface="Calibri"/>
+                <a:ea typeface="Calibri"/>
+                <a:cs typeface="Calibri"/>
+                <a:sym typeface="Calibri"/>
+                <a:hlinkClick r:id="rId6">
+                  <a:extLst>
+                    <a:ext uri="{A12FA001-AC4F-418D-AE19-62706E023703}">
+                      <ahyp:hlinkClr val="tx"/>
+                    </a:ext>
+                  </a:extLst>
+                </a:hlinkClick>
+              </a:rPr>
+              <a:t>https://api.kyeou.xyz</a:t>
+            </a:r>
+            <a:endParaRPr b="1" sz="2900" u="sng">
+              <a:solidFill>
+                <a:srgbClr val="FFFF00"/>
+              </a:solidFill>
+              <a:latin typeface="Calibri"/>
+              <a:ea typeface="Calibri"/>
+              <a:cs typeface="Calibri"/>
+              <a:sym typeface="Calibri"/>
+            </a:endParaRPr>
+          </a:p>
+          <a:p>
             <a:pPr indent="-381000" lvl="0" marL="457200" marR="0" rtl="0" algn="l">
               <a:spcBef>
                 <a:spcPts val="0"/>
@@ -12865,7 +13215,7 @@
             <a:r>
               <a:rPr b="1" lang="en-US" sz="3600">
                 <a:solidFill>
-                  <a:srgbClr val="D00D2D"/>
+                  <a:srgbClr val="FF0000"/>
                 </a:solidFill>
               </a:rPr>
               <a:t>Regrets/</a:t>
@@ -12873,16 +13223,20 @@
             <a:r>
               <a:rPr b="1" lang="en-US" sz="3600">
                 <a:solidFill>
-                  <a:srgbClr val="D00D2D"/>
+                  <a:srgbClr val="FF0000"/>
                 </a:solidFill>
                 <a:latin typeface="Arial"/>
                 <a:ea typeface="Arial"/>
                 <a:cs typeface="Arial"/>
                 <a:sym typeface="Arial"/>
               </a:rPr>
-              <a:t>Lessons Learned</a:t>
-            </a:r>
-            <a:endParaRPr/>
+              <a:t>Lessons</a:t>
+            </a:r>
+            <a:endParaRPr>
+              <a:solidFill>
+                <a:srgbClr val="FF0000"/>
+              </a:solidFill>
+            </a:endParaRPr>
           </a:p>
         </p:txBody>
       </p:sp>
@@ -12919,7 +13273,7 @@
                 <a:spcPts val="0"/>
               </a:spcAft>
               <a:buClr>
-                <a:srgbClr val="FFFFFF"/>
+                <a:srgbClr val="FF00FF"/>
               </a:buClr>
               <a:buSzPts val="1900"/>
               <a:buFont typeface="Calibri"/>
@@ -12928,7 +13282,7 @@
             <a:r>
               <a:rPr b="1" lang="en-US" sz="1900">
                 <a:solidFill>
-                  <a:srgbClr val="FFFFFF"/>
+                  <a:srgbClr val="FF00FF"/>
                 </a:solidFill>
                 <a:latin typeface="Calibri"/>
                 <a:ea typeface="Calibri"/>
@@ -12936,6 +13290,117 @@
                 <a:sym typeface="Calibri"/>
               </a:rPr>
               <a:t>Don’t couple your deployment strategy with the frameworks you use</a:t>
+            </a:r>
+            <a:endParaRPr b="1" sz="1900">
+              <a:solidFill>
+                <a:srgbClr val="FF00FF"/>
+              </a:solidFill>
+              <a:latin typeface="Calibri"/>
+              <a:ea typeface="Calibri"/>
+              <a:cs typeface="Calibri"/>
+              <a:sym typeface="Calibri"/>
+            </a:endParaRPr>
+          </a:p>
+          <a:p>
+            <a:pPr indent="-349250" lvl="1" marL="914400" marR="0" rtl="0" algn="l">
+              <a:spcBef>
+                <a:spcPts val="0"/>
+              </a:spcBef>
+              <a:spcAft>
+                <a:spcPts val="0"/>
+              </a:spcAft>
+              <a:buClr>
+                <a:srgbClr val="FF00FF"/>
+              </a:buClr>
+              <a:buSzPts val="1900"/>
+              <a:buFont typeface="Calibri"/>
+              <a:buChar char="○"/>
+            </a:pPr>
+            <a:r>
+              <a:rPr b="1" lang="en-US" sz="1900">
+                <a:solidFill>
+                  <a:srgbClr val="FF00FF"/>
+                </a:solidFill>
+                <a:latin typeface="Calibri"/>
+                <a:ea typeface="Calibri"/>
+                <a:cs typeface="Calibri"/>
+                <a:sym typeface="Calibri"/>
+              </a:rPr>
+              <a:t>Made it hard to switch from Flask to FastAPI</a:t>
+            </a:r>
+            <a:endParaRPr b="1" sz="1900">
+              <a:solidFill>
+                <a:srgbClr val="FF00FF"/>
+              </a:solidFill>
+              <a:latin typeface="Calibri"/>
+              <a:ea typeface="Calibri"/>
+              <a:cs typeface="Calibri"/>
+              <a:sym typeface="Calibri"/>
+            </a:endParaRPr>
+          </a:p>
+          <a:p>
+            <a:pPr indent="-349250" lvl="0" marL="457200" marR="0" rtl="0" algn="l">
+              <a:spcBef>
+                <a:spcPts val="0"/>
+              </a:spcBef>
+              <a:spcAft>
+                <a:spcPts val="0"/>
+              </a:spcAft>
+              <a:buClr>
+                <a:srgbClr val="FFFF00"/>
+              </a:buClr>
+              <a:buSzPts val="1900"/>
+              <a:buFont typeface="Calibri"/>
+              <a:buChar char="●"/>
+            </a:pPr>
+            <a:r>
+              <a:rPr b="1" lang="en-US" sz="1900">
+                <a:solidFill>
+                  <a:srgbClr val="FFFF00"/>
+                </a:solidFill>
+                <a:latin typeface="Calibri"/>
+                <a:ea typeface="Calibri"/>
+                <a:cs typeface="Calibri"/>
+                <a:sym typeface="Calibri"/>
+              </a:rPr>
+              <a:t>Don’t allow the terrible solution to work better than the better solution</a:t>
+            </a:r>
+            <a:endParaRPr b="1" sz="1900">
+              <a:solidFill>
+                <a:srgbClr val="FFFF00"/>
+              </a:solidFill>
+              <a:latin typeface="Calibri"/>
+              <a:ea typeface="Calibri"/>
+              <a:cs typeface="Calibri"/>
+              <a:sym typeface="Calibri"/>
+            </a:endParaRPr>
+          </a:p>
+          <a:p>
+            <a:pPr indent="-349250" lvl="1" marL="914400" marR="0" rtl="0" algn="l">
+              <a:spcBef>
+                <a:spcPts val="0"/>
+              </a:spcBef>
+              <a:spcAft>
+                <a:spcPts val="0"/>
+              </a:spcAft>
+              <a:buClr>
+                <a:srgbClr val="FFFFFF"/>
+              </a:buClr>
+              <a:buSzPts val="1900"/>
+              <a:buFont typeface="Calibri"/>
+              <a:buChar char="○"/>
+            </a:pPr>
+            <a:r>
+              <a:rPr b="1" lang="en-US" sz="1900">
+                <a:solidFill>
+                  <a:srgbClr val="FFFFFF"/>
+                </a:solidFill>
+                <a:latin typeface="Calibri"/>
+                <a:ea typeface="Calibri"/>
+                <a:cs typeface="Calibri"/>
+                <a:sym typeface="Calibri"/>
+              </a:rPr>
+              <a:t>Flask Request Handling:</a:t>
             </a:r>
             <a:endParaRPr b="1" sz="1900">
               <a:solidFill>
@@ -12948,7 +13413,7 @@
             </a:endParaRPr>
           </a:p>
           <a:p>
-            <a:pPr indent="-349250" lvl="1" marL="914400" marR="0" rtl="0" algn="l">
+            <a:pPr indent="-349250" lvl="2" marL="1371600" marR="0" rtl="0" algn="l">
               <a:spcBef>
                 <a:spcPts val="0"/>
               </a:spcBef>
@@ -12960,7 +13425,7 @@
               </a:buClr>
               <a:buSzPts val="1900"/>
               <a:buFont typeface="Calibri"/>
-              <a:buChar char="○"/>
+              <a:buChar char="■"/>
             </a:pPr>
             <a:r>
               <a:rPr b="1" lang="en-US" sz="1900">
@@ -12972,7 +13437,7 @@
                 <a:cs typeface="Calibri"/>
                 <a:sym typeface="Calibri"/>
               </a:rPr>
-              <a:t>Made it hard to switch from Flask to FastAPI</a:t>
+              <a:t>Each request in Flask ties up a the worker that handles requests, limiting concurrent processing capabilities.</a:t>
             </a:r>
             <a:endParaRPr b="1" sz="1900">
               <a:solidFill>
@@ -12985,7 +13450,7 @@
             </a:endParaRPr>
           </a:p>
           <a:p>
-            <a:pPr indent="-349250" lvl="0" marL="457200" marR="0" rtl="0" algn="l">
+            <a:pPr indent="-349250" lvl="1" marL="914400" marR="0" rtl="0" algn="l">
               <a:spcBef>
                 <a:spcPts val="0"/>
               </a:spcBef>
@@ -12997,7 +13462,7 @@
               </a:buClr>
               <a:buSzPts val="1900"/>
               <a:buFont typeface="Calibri"/>
-              <a:buChar char="●"/>
+              <a:buChar char="○"/>
             </a:pPr>
             <a:r>
               <a:rPr b="1" lang="en-US" sz="1900">
@@ -13009,7 +13474,7 @@
                 <a:cs typeface="Calibri"/>
                 <a:sym typeface="Calibri"/>
               </a:rPr>
-              <a:t>Don’t allow the terrible solution to work better than the better solution</a:t>
+              <a:t>Database Connectivity:</a:t>
             </a:r>
             <a:endParaRPr b="1" sz="1900">
               <a:solidFill>
@@ -13022,7 +13487,7 @@
             </a:endParaRPr>
           </a:p>
           <a:p>
-            <a:pPr indent="-349250" lvl="1" marL="914400" marR="0" rtl="0" algn="l">
+            <a:pPr indent="-349250" lvl="2" marL="1371600" marR="0" rtl="0" algn="l">
               <a:spcBef>
                 <a:spcPts val="0"/>
               </a:spcBef>
@@ -13034,7 +13499,7 @@
               </a:buClr>
               <a:buSzPts val="1900"/>
               <a:buFont typeface="Calibri"/>
-              <a:buChar char="○"/>
+              <a:buChar char="■"/>
             </a:pPr>
             <a:r>
               <a:rPr b="1" lang="en-US" sz="1900">
@@ -13046,7 +13511,7 @@
                 <a:cs typeface="Calibri"/>
                 <a:sym typeface="Calibri"/>
               </a:rPr>
-              <a:t>Every request in Flask ties up the worker that listens for requests</a:t>
+              <a:t>Our non-redundant database setup lacked connection pooling.</a:t>
             </a:r>
             <a:endParaRPr b="1" sz="1900">
               <a:solidFill>
@@ -13059,7 +13524,7 @@
             </a:endParaRPr>
           </a:p>
           <a:p>
-            <a:pPr indent="-349250" lvl="1" marL="914400" marR="0" rtl="0" algn="l">
+            <a:pPr indent="-349250" lvl="2" marL="1371600" marR="0" rtl="0" algn="l">
               <a:spcBef>
                 <a:spcPts val="0"/>
               </a:spcBef>
@@ -13071,7 +13536,7 @@
               </a:buClr>
               <a:buSzPts val="1900"/>
               <a:buFont typeface="Calibri"/>
-              <a:buChar char="○"/>
+              <a:buChar char="■"/>
             </a:pPr>
             <a:r>
               <a:rPr b="1" lang="en-US" sz="1900">
@@ -13083,7 +13548,7 @@
                 <a:cs typeface="Calibri"/>
                 <a:sym typeface="Calibri"/>
               </a:rPr>
-              <a:t>Database was not redundant</a:t>
+              <a:t>Consequently, only one connection to the database could be maintained at a time.</a:t>
             </a:r>
             <a:endParaRPr b="1" sz="1900">
               <a:solidFill>
@@ -13120,7 +13585,7 @@
                 <a:cs typeface="Calibri"/>
                 <a:sym typeface="Calibri"/>
               </a:rPr>
-              <a:t>Since Flask doesn’t handle multiple requests at once, database connections weren’t pooled</a:t>
+              <a:t>Result:</a:t>
             </a:r>
             <a:endParaRPr b="1" sz="1900">
               <a:solidFill>
@@ -13157,31 +13622,7 @@
                 <a:cs typeface="Calibri"/>
                 <a:sym typeface="Calibri"/>
               </a:rPr>
-              <a:t>Meaning only one connection to the DB was </a:t>
-            </a:r>
-            <a:r>
-              <a:rPr b="1" lang="en-US" sz="1900">
-                <a:solidFill>
-                  <a:srgbClr val="FFFFFF"/>
-                </a:solidFill>
-                <a:latin typeface="Calibri"/>
-                <a:ea typeface="Calibri"/>
-                <a:cs typeface="Calibri"/>
-                <a:sym typeface="Calibri"/>
-              </a:rPr>
-              <a:t>maintained</a:t>
-            </a:r>
-            <a:r>
-              <a:rPr b="1" lang="en-US" sz="1900">
-                <a:solidFill>
-                  <a:srgbClr val="FFFFFF"/>
-                </a:solidFill>
-                <a:latin typeface="Calibri"/>
-                <a:ea typeface="Calibri"/>
-                <a:cs typeface="Calibri"/>
-                <a:sym typeface="Calibri"/>
-              </a:rPr>
-              <a:t> at all times</a:t>
+              <a:t>Comparison: 5000 synchronous requests (Flask) vs. 5000 asynchronous requests (FastAPI)</a:t>
             </a:r>
             <a:endParaRPr b="1" sz="1900">
               <a:solidFill>
@@ -13194,7 +13635,7 @@
             </a:endParaRPr>
           </a:p>
           <a:p>
-            <a:pPr indent="-349250" lvl="1" marL="914400" marR="0" rtl="0" algn="l">
+            <a:pPr indent="-349250" lvl="2" marL="1371600" marR="0" rtl="0" algn="l">
               <a:spcBef>
                 <a:spcPts val="0"/>
               </a:spcBef>
@@ -13206,7 +13647,7 @@
               </a:buClr>
               <a:buSzPts val="1900"/>
               <a:buFont typeface="Calibri"/>
-              <a:buChar char="○"/>
+              <a:buChar char="■"/>
             </a:pPr>
             <a:r>
               <a:rPr b="1" lang="en-US" sz="1900">
@@ -13218,10 +13659,35 @@
                 <a:cs typeface="Calibri"/>
                 <a:sym typeface="Calibri"/>
               </a:rPr>
-              <a:t>So, 5000 synchronous requests completed faster (and with more success) than the </a:t>
-            </a:r>
-            <a:r>
-              <a:rPr b="1" lang="en-US" sz="1900" u="sng">
+              <a:t>The synchronous approach outperformed the asynchronous method</a:t>
+            </a:r>
+            <a:endParaRPr b="1" sz="1900">
+              <a:solidFill>
+                <a:srgbClr val="FFFFFF"/>
+              </a:solidFill>
+              <a:latin typeface="Calibri"/>
+              <a:ea typeface="Calibri"/>
+              <a:cs typeface="Calibri"/>
+              <a:sym typeface="Calibri"/>
+            </a:endParaRPr>
+          </a:p>
+          <a:p>
+            <a:pPr indent="-349250" lvl="3" marL="1828800" marR="0" rtl="0" algn="l">
+              <a:spcBef>
+                <a:spcPts val="0"/>
+              </a:spcBef>
+              <a:spcAft>
+                <a:spcPts val="0"/>
+              </a:spcAft>
+              <a:buClr>
+                <a:srgbClr val="FFFFFF"/>
+              </a:buClr>
+              <a:buSzPts val="1900"/>
+              <a:buFont typeface="Calibri"/>
+              <a:buChar char="●"/>
+            </a:pPr>
+            <a:r>
+              <a:rPr b="1" lang="en-US" sz="1900">
                 <a:solidFill>
                   <a:srgbClr val="FFFFFF"/>
                 </a:solidFill>
@@ -13230,7 +13696,44 @@
                 <a:cs typeface="Calibri"/>
                 <a:sym typeface="Calibri"/>
               </a:rPr>
-              <a:t>5000 asynchronous requests (FastAPI)</a:t>
+              <a:t>FastAPI couldn’t even pass stress testing</a:t>
+            </a:r>
+            <a:endParaRPr b="1" sz="1900">
+              <a:solidFill>
+                <a:srgbClr val="FFFFFF"/>
+              </a:solidFill>
+              <a:latin typeface="Calibri"/>
+              <a:ea typeface="Calibri"/>
+              <a:cs typeface="Calibri"/>
+              <a:sym typeface="Calibri"/>
+            </a:endParaRPr>
+          </a:p>
+          <a:p>
+            <a:pPr indent="-349250" lvl="2" marL="1371600" marR="0" rtl="0" algn="l">
+              <a:spcBef>
+                <a:spcPts val="0"/>
+              </a:spcBef>
+              <a:spcAft>
+                <a:spcPts val="0"/>
+              </a:spcAft>
+              <a:buClr>
+                <a:srgbClr val="FFFFFF"/>
+              </a:buClr>
+              <a:buSzPts val="1900"/>
+              <a:buFont typeface="Calibri"/>
+              <a:buChar char="■"/>
+            </a:pPr>
+            <a:r>
+              <a:rPr b="1" lang="en-US" sz="1900">
+                <a:solidFill>
+                  <a:srgbClr val="FFFFFF"/>
+                </a:solidFill>
+                <a:latin typeface="Calibri"/>
+                <a:ea typeface="Calibri"/>
+                <a:cs typeface="Calibri"/>
+                <a:sym typeface="Calibri"/>
+              </a:rPr>
+              <a:t>With a single maintained connection, synchronous requests benefited from consistent and focused database access.</a:t>
             </a:r>
             <a:endParaRPr b="1" sz="1900">
               <a:solidFill>
@@ -13850,9 +14353,9 @@
             </a:pPr>
             <a:r>
               <a:rPr b="1" lang="en-US" sz="2100"/>
-              <a:t>Software Testing Methodology</a:t>
-            </a:r>
-            <a:endParaRPr/>
+              <a:t>Software Testing </a:t>
+            </a:r>
+            <a:endParaRPr b="1" sz="2100"/>
           </a:p>
           <a:p>
             <a:pPr indent="-285750" lvl="0" marL="285750" rtl="0" algn="l">
@@ -15471,7 +15974,7 @@
                   <a:srgbClr val="FFFFFF"/>
                 </a:solidFill>
               </a:rPr>
-              <a:t>Any user facing material is most accurate </a:t>
+              <a:t>Any user facing material or “Point-of-Sale” is most accurate </a:t>
             </a:r>
             <a:endParaRPr b="1" sz="2200">
               <a:solidFill>
@@ -16369,7 +16872,7 @@
                 <a:spcPts val="0"/>
               </a:spcAft>
               <a:buClr>
-                <a:srgbClr val="FFFFFF"/>
+                <a:srgbClr val="FFFF00"/>
               </a:buClr>
               <a:buSzPts val="1600"/>
               <a:buFont typeface="Calibri"/>
@@ -16378,7 +16881,7 @@
             <a:r>
               <a:rPr b="1" lang="en-US" sz="1600">
                 <a:solidFill>
-                  <a:srgbClr val="FFFFFF"/>
+                  <a:srgbClr val="FFFF00"/>
                 </a:solidFill>
                 <a:latin typeface="Calibri"/>
                 <a:ea typeface="Calibri"/>
@@ -16389,7 +16892,7 @@
             </a:r>
             <a:endParaRPr b="1" sz="1600">
               <a:solidFill>
-                <a:srgbClr val="FFFFFF"/>
+                <a:srgbClr val="FFFF00"/>
               </a:solidFill>
               <a:latin typeface="Calibri"/>
               <a:ea typeface="Calibri"/>
@@ -16406,7 +16909,7 @@
                 <a:spcPts val="0"/>
               </a:spcAft>
               <a:buClr>
-                <a:srgbClr val="FFFFFF"/>
+                <a:srgbClr val="FFFF00"/>
               </a:buClr>
               <a:buSzPts val="1600"/>
               <a:buFont typeface="Calibri"/>
@@ -16415,7 +16918,7 @@
             <a:r>
               <a:rPr b="1" lang="en-US" sz="1600">
                 <a:solidFill>
-                  <a:srgbClr val="FFFFFF"/>
+                  <a:srgbClr val="FFFF00"/>
                 </a:solidFill>
                 <a:latin typeface="Calibri"/>
                 <a:ea typeface="Calibri"/>
@@ -16426,7 +16929,7 @@
             </a:r>
             <a:endParaRPr b="1" sz="1600">
               <a:solidFill>
-                <a:srgbClr val="FFFFFF"/>
+                <a:srgbClr val="FFFF00"/>
               </a:solidFill>
               <a:latin typeface="Calibri"/>
               <a:ea typeface="Calibri"/>
@@ -16443,7 +16946,7 @@
                 <a:spcPts val="0"/>
               </a:spcAft>
               <a:buClr>
-                <a:srgbClr val="FFFFFF"/>
+                <a:srgbClr val="FFFF00"/>
               </a:buClr>
               <a:buSzPts val="1600"/>
               <a:buFont typeface="Calibri"/>
@@ -16452,7 +16955,7 @@
             <a:r>
               <a:rPr b="1" lang="en-US" sz="1600">
                 <a:solidFill>
-                  <a:srgbClr val="FFFFFF"/>
+                  <a:srgbClr val="FFFF00"/>
                 </a:solidFill>
                 <a:latin typeface="Calibri"/>
                 <a:ea typeface="Calibri"/>
@@ -16463,7 +16966,7 @@
             </a:r>
             <a:endParaRPr b="1" sz="1600">
               <a:solidFill>
-                <a:srgbClr val="FFFFFF"/>
+                <a:srgbClr val="FFFF00"/>
               </a:solidFill>
               <a:latin typeface="Calibri"/>
               <a:ea typeface="Calibri"/>
@@ -16480,7 +16983,7 @@
                 <a:spcPts val="0"/>
               </a:spcAft>
               <a:buClr>
-                <a:srgbClr val="FFFFFF"/>
+                <a:srgbClr val="FFFF00"/>
               </a:buClr>
               <a:buSzPts val="1600"/>
               <a:buFont typeface="Calibri"/>
@@ -16489,7 +16992,7 @@
             <a:r>
               <a:rPr b="1" lang="en-US" sz="1600">
                 <a:solidFill>
-                  <a:srgbClr val="FFFFFF"/>
+                  <a:srgbClr val="FFFF00"/>
                 </a:solidFill>
                 <a:latin typeface="Calibri"/>
                 <a:ea typeface="Calibri"/>
@@ -16501,7 +17004,7 @@
             <a:r>
               <a:rPr b="1" lang="en-US" sz="1600">
                 <a:solidFill>
-                  <a:srgbClr val="FFFFFF"/>
+                  <a:srgbClr val="FFFF00"/>
                 </a:solidFill>
                 <a:latin typeface="Calibri"/>
                 <a:ea typeface="Calibri"/>
@@ -16512,7 +17015,7 @@
             </a:r>
             <a:endParaRPr b="1" sz="1600">
               <a:solidFill>
-                <a:srgbClr val="FFFFFF"/>
+                <a:srgbClr val="FFFF00"/>
               </a:solidFill>
               <a:latin typeface="Calibri"/>
               <a:ea typeface="Calibri"/>
@@ -16529,7 +17032,7 @@
                 <a:spcPts val="0"/>
               </a:spcAft>
               <a:buClr>
-                <a:srgbClr val="FFFFFF"/>
+                <a:srgbClr val="FFFF00"/>
               </a:buClr>
               <a:buSzPts val="1600"/>
               <a:buFont typeface="Calibri"/>
@@ -16538,7 +17041,7 @@
             <a:r>
               <a:rPr b="1" lang="en-US" sz="1600">
                 <a:solidFill>
-                  <a:srgbClr val="FFFFFF"/>
+                  <a:srgbClr val="FFFF00"/>
                 </a:solidFill>
                 <a:latin typeface="Calibri"/>
                 <a:ea typeface="Calibri"/>
@@ -16549,7 +17052,7 @@
             </a:r>
             <a:endParaRPr b="1" sz="1600">
               <a:solidFill>
-                <a:srgbClr val="FFFFFF"/>
+                <a:srgbClr val="FFFF00"/>
               </a:solidFill>
               <a:latin typeface="Calibri"/>
               <a:ea typeface="Calibri"/>
@@ -16566,7 +17069,7 @@
                 <a:spcPts val="0"/>
               </a:spcAft>
               <a:buClr>
-                <a:srgbClr val="FFFFFF"/>
+                <a:srgbClr val="FFFF00"/>
               </a:buClr>
               <a:buSzPts val="1600"/>
               <a:buFont typeface="Calibri"/>
@@ -16575,7 +17078,7 @@
             <a:r>
               <a:rPr b="1" lang="en-US" sz="1600">
                 <a:solidFill>
-                  <a:srgbClr val="FFFFFF"/>
+                  <a:srgbClr val="FFFF00"/>
                 </a:solidFill>
                 <a:latin typeface="Calibri"/>
                 <a:ea typeface="Calibri"/>
@@ -16586,7 +17089,7 @@
             </a:r>
             <a:endParaRPr b="1" sz="1600">
               <a:solidFill>
-                <a:srgbClr val="FFFFFF"/>
+                <a:srgbClr val="FFFF00"/>
               </a:solidFill>
               <a:latin typeface="Calibri"/>
               <a:ea typeface="Calibri"/>
@@ -16603,7 +17106,7 @@
                 <a:spcPts val="0"/>
               </a:spcAft>
               <a:buClr>
-                <a:srgbClr val="FFFFFF"/>
+                <a:srgbClr val="FFFF00"/>
               </a:buClr>
               <a:buSzPts val="1600"/>
               <a:buFont typeface="Calibri"/>
@@ -16612,7 +17115,7 @@
             <a:r>
               <a:rPr b="1" lang="en-US" sz="1600">
                 <a:solidFill>
-                  <a:srgbClr val="FFFFFF"/>
+                  <a:srgbClr val="FFFF00"/>
                 </a:solidFill>
                 <a:latin typeface="Calibri"/>
                 <a:ea typeface="Calibri"/>
@@ -16623,7 +17126,7 @@
             </a:r>
             <a:endParaRPr b="1" sz="1600">
               <a:solidFill>
-                <a:srgbClr val="FFFFFF"/>
+                <a:srgbClr val="FFFF00"/>
               </a:solidFill>
               <a:latin typeface="Calibri"/>
               <a:ea typeface="Calibri"/>
@@ -16640,7 +17143,7 @@
                 <a:spcPts val="0"/>
               </a:spcAft>
               <a:buClr>
-                <a:srgbClr val="FFFFFF"/>
+                <a:srgbClr val="FFFF00"/>
               </a:buClr>
               <a:buSzPts val="1600"/>
               <a:buFont typeface="Calibri"/>
@@ -16649,7 +17152,7 @@
             <a:r>
               <a:rPr b="1" lang="en-US" sz="1600">
                 <a:solidFill>
-                  <a:srgbClr val="FFFFFF"/>
+                  <a:srgbClr val="FFFF00"/>
                 </a:solidFill>
                 <a:latin typeface="Calibri"/>
                 <a:ea typeface="Calibri"/>
@@ -16660,7 +17163,7 @@
             </a:r>
             <a:endParaRPr b="1" sz="1600">
               <a:solidFill>
-                <a:srgbClr val="FFFFFF"/>
+                <a:srgbClr val="FFFF00"/>
               </a:solidFill>
               <a:latin typeface="Calibri"/>
               <a:ea typeface="Calibri"/>
@@ -16677,7 +17180,7 @@
                 <a:spcPts val="0"/>
               </a:spcAft>
               <a:buClr>
-                <a:srgbClr val="FFFFFF"/>
+                <a:srgbClr val="FFFF00"/>
               </a:buClr>
               <a:buSzPts val="1600"/>
               <a:buFont typeface="Calibri"/>
@@ -16686,7 +17189,7 @@
             <a:r>
               <a:rPr b="1" lang="en-US" sz="1600">
                 <a:solidFill>
-                  <a:srgbClr val="FFFFFF"/>
+                  <a:srgbClr val="FFFF00"/>
                 </a:solidFill>
                 <a:latin typeface="Calibri"/>
                 <a:ea typeface="Calibri"/>
@@ -16697,7 +17200,7 @@
             </a:r>
             <a:endParaRPr b="1" sz="1600">
               <a:solidFill>
-                <a:srgbClr val="FFFFFF"/>
+                <a:srgbClr val="FFFF00"/>
               </a:solidFill>
               <a:latin typeface="Calibri"/>
               <a:ea typeface="Calibri"/>
@@ -16730,7 +17233,7 @@
                 <a:cs typeface="Calibri"/>
                 <a:sym typeface="Calibri"/>
               </a:rPr>
-              <a:t>For each course, recording the course description </a:t>
+              <a:t>For each course, records the course description </a:t>
             </a:r>
             <a:r>
               <a:rPr b="1" lang="en-US" sz="1600">
@@ -16754,7 +17257,7 @@
                 <a:cs typeface="Calibri"/>
                 <a:sym typeface="Calibri"/>
               </a:rPr>
-              <a:t> details section **</a:t>
+              <a:t> details section</a:t>
             </a:r>
             <a:endParaRPr b="1" sz="1600">
               <a:solidFill>
@@ -16767,21 +17270,35 @@
             </a:endParaRPr>
           </a:p>
           <a:p>
-            <a:pPr indent="0" lvl="0" marL="0" marR="0" rtl="0" algn="l">
-              <a:spcBef>
-                <a:spcPts val="0"/>
-              </a:spcBef>
-              <a:spcAft>
-                <a:spcPts val="0"/>
-              </a:spcAft>
-              <a:buNone/>
-            </a:pPr>
-            <a:r>
-              <a:t/>
+            <a:pPr indent="-330200" lvl="2" marL="1371600" rtl="0" algn="l">
+              <a:spcBef>
+                <a:spcPts val="0"/>
+              </a:spcBef>
+              <a:spcAft>
+                <a:spcPts val="0"/>
+              </a:spcAft>
+              <a:buClr>
+                <a:srgbClr val="00FFFF"/>
+              </a:buClr>
+              <a:buSzPts val="1600"/>
+              <a:buFont typeface="Calibri"/>
+              <a:buChar char="■"/>
+            </a:pPr>
+            <a:r>
+              <a:rPr b="1" lang="en-US" sz="1600">
+                <a:solidFill>
+                  <a:srgbClr val="00FFFF"/>
+                </a:solidFill>
+                <a:latin typeface="Calibri"/>
+                <a:ea typeface="Calibri"/>
+                <a:cs typeface="Calibri"/>
+                <a:sym typeface="Calibri"/>
+              </a:rPr>
+              <a:t>Only happened once during data aggregation, not on schedule</a:t>
             </a:r>
             <a:endParaRPr b="1" sz="1600">
               <a:solidFill>
-                <a:srgbClr val="FFFFFF"/>
+                <a:srgbClr val="00FFFF"/>
               </a:solidFill>
               <a:latin typeface="Calibri"/>
               <a:ea typeface="Calibri"/>
@@ -16790,6 +17307,29 @@
             </a:endParaRPr>
           </a:p>
           <a:p>
+            <a:pPr indent="0" lvl="0" marL="0" rtl="0" algn="l">
+              <a:spcBef>
+                <a:spcPts val="0"/>
+              </a:spcBef>
+              <a:spcAft>
+                <a:spcPts val="0"/>
+              </a:spcAft>
+              <a:buNone/>
+            </a:pPr>
+            <a:r>
+              <a:t/>
+            </a:r>
+            <a:endParaRPr b="1" sz="1600">
+              <a:solidFill>
+                <a:srgbClr val="00FFFF"/>
+              </a:solidFill>
+              <a:latin typeface="Calibri"/>
+              <a:ea typeface="Calibri"/>
+              <a:cs typeface="Calibri"/>
+              <a:sym typeface="Calibri"/>
+            </a:endParaRPr>
+          </a:p>
+          <a:p>
             <a:pPr indent="-330200" lvl="0" marL="457200" marR="0" rtl="0" algn="l">
               <a:spcBef>
                 <a:spcPts val="0"/>
@@ -16838,7 +17378,7 @@
                 <a:cs typeface="Calibri"/>
                 <a:sym typeface="Calibri"/>
               </a:rPr>
-              <a:t> on a schedule</a:t>
+              <a:t> *sections* on a schedule</a:t>
             </a:r>
             <a:endParaRPr b="1" sz="1600">
               <a:solidFill>
@@ -16912,7 +17452,7 @@
                 <a:cs typeface="Calibri"/>
                 <a:sym typeface="Calibri"/>
               </a:rPr>
-              <a:t>The crawler uses the “schedule” library in Python that runs webscraper for the class schedule every night at midnight.</a:t>
+              <a:t>The crawler uses the “schedule” library in Python that runs webscraper for the class schedule every night at midnight</a:t>
             </a:r>
             <a:endParaRPr b="1" sz="1600">
               <a:solidFill>
@@ -16974,43 +17514,6 @@
                 <a:sym typeface="Calibri"/>
               </a:rPr>
               <a:t> change much afterwards</a:t>
-            </a:r>
-            <a:endParaRPr b="1" sz="1600">
-              <a:solidFill>
-                <a:srgbClr val="FFFF00"/>
-              </a:solidFill>
-              <a:latin typeface="Calibri"/>
-              <a:ea typeface="Calibri"/>
-              <a:cs typeface="Calibri"/>
-              <a:sym typeface="Calibri"/>
-            </a:endParaRPr>
-          </a:p>
-          <a:p>
-            <a:pPr indent="-330200" lvl="0" marL="457200" marR="0" rtl="0" algn="l">
-              <a:spcBef>
-                <a:spcPts val="0"/>
-              </a:spcBef>
-              <a:spcAft>
-                <a:spcPts val="0"/>
-              </a:spcAft>
-              <a:buClr>
-                <a:srgbClr val="00FFFF"/>
-              </a:buClr>
-              <a:buSzPts val="1600"/>
-              <a:buFont typeface="Calibri"/>
-              <a:buChar char="●"/>
-            </a:pPr>
-            <a:r>
-              <a:rPr b="1" lang="en-US" sz="1600">
-                <a:solidFill>
-                  <a:srgbClr val="00FFFF"/>
-                </a:solidFill>
-                <a:latin typeface="Calibri"/>
-                <a:ea typeface="Calibri"/>
-                <a:cs typeface="Calibri"/>
-                <a:sym typeface="Calibri"/>
-              </a:rPr>
-              <a:t>**Only happened once during data aggregation, not on schedule</a:t>
             </a:r>
             <a:endParaRPr b="1" sz="1600">
               <a:solidFill>
@@ -17178,7 +17681,7 @@
                 <a:spcPts val="0"/>
               </a:spcAft>
               <a:buClr>
-                <a:srgbClr val="FFFFFF"/>
+                <a:srgbClr val="FFFF00"/>
               </a:buClr>
               <a:buSzPts val="1600"/>
               <a:buFont typeface="Calibri"/>
@@ -17187,26 +17690,197 @@
             <a:r>
               <a:rPr b="1" lang="en-US" sz="1600">
                 <a:solidFill>
-                  <a:srgbClr val="FFFFFF"/>
+                  <a:srgbClr val="FFFF00"/>
                 </a:solidFill>
                 <a:latin typeface="Calibri"/>
                 <a:ea typeface="Calibri"/>
                 <a:cs typeface="Calibri"/>
                 <a:sym typeface="Calibri"/>
               </a:rPr>
-              <a:t>Used as a cross reference for </a:t>
+              <a:t>Cross referenced between the two for catalogs </a:t>
             </a:r>
             <a:r>
               <a:rPr b="1" lang="en-US" sz="1600">
                 <a:solidFill>
-                  <a:srgbClr val="FFFFFF"/>
+                  <a:srgbClr val="FFFF00"/>
                 </a:solidFill>
                 <a:latin typeface="Calibri"/>
                 <a:ea typeface="Calibri"/>
                 <a:cs typeface="Calibri"/>
                 <a:sym typeface="Calibri"/>
               </a:rPr>
-              <a:t>the Catalog university-wide</a:t>
+              <a:t>university-wide</a:t>
+            </a:r>
+            <a:endParaRPr b="1" sz="1600">
+              <a:solidFill>
+                <a:srgbClr val="FFFF00"/>
+              </a:solidFill>
+              <a:latin typeface="Calibri"/>
+              <a:ea typeface="Calibri"/>
+              <a:cs typeface="Calibri"/>
+              <a:sym typeface="Calibri"/>
+            </a:endParaRPr>
+          </a:p>
+          <a:p>
+            <a:pPr indent="-330200" lvl="1" marL="914400" marR="0" rtl="0" algn="l">
+              <a:spcBef>
+                <a:spcPts val="0"/>
+              </a:spcBef>
+              <a:spcAft>
+                <a:spcPts val="0"/>
+              </a:spcAft>
+              <a:buClr>
+                <a:srgbClr val="FFFF00"/>
+              </a:buClr>
+              <a:buSzPts val="1600"/>
+              <a:buFont typeface="Calibri"/>
+              <a:buChar char="○"/>
+            </a:pPr>
+            <a:r>
+              <a:rPr b="1" lang="en-US" sz="1600">
+                <a:solidFill>
+                  <a:srgbClr val="FFFF00"/>
+                </a:solidFill>
+                <a:latin typeface="Calibri"/>
+                <a:ea typeface="Calibri"/>
+                <a:cs typeface="Calibri"/>
+                <a:sym typeface="Calibri"/>
+              </a:rPr>
+              <a:t>Specifically needed csun.edu for…</a:t>
+            </a:r>
+            <a:endParaRPr b="1" sz="1600">
+              <a:solidFill>
+                <a:srgbClr val="FFFF00"/>
+              </a:solidFill>
+              <a:latin typeface="Calibri"/>
+              <a:ea typeface="Calibri"/>
+              <a:cs typeface="Calibri"/>
+              <a:sym typeface="Calibri"/>
+            </a:endParaRPr>
+          </a:p>
+          <a:p>
+            <a:pPr indent="-330200" lvl="2" marL="1371600" marR="0" rtl="0" algn="l">
+              <a:spcBef>
+                <a:spcPts val="0"/>
+              </a:spcBef>
+              <a:spcAft>
+                <a:spcPts val="0"/>
+              </a:spcAft>
+              <a:buClr>
+                <a:srgbClr val="FFFF00"/>
+              </a:buClr>
+              <a:buSzPts val="1600"/>
+              <a:buFont typeface="Calibri"/>
+              <a:buChar char="■"/>
+            </a:pPr>
+            <a:r>
+              <a:rPr b="1" lang="en-US" sz="1600">
+                <a:solidFill>
+                  <a:srgbClr val="FFFF00"/>
+                </a:solidFill>
+                <a:latin typeface="Calibri"/>
+                <a:ea typeface="Calibri"/>
+                <a:cs typeface="Calibri"/>
+                <a:sym typeface="Calibri"/>
+              </a:rPr>
+              <a:t>Accurate titles</a:t>
+            </a:r>
+            <a:endParaRPr b="1" sz="1600">
+              <a:solidFill>
+                <a:srgbClr val="FFFF00"/>
+              </a:solidFill>
+              <a:latin typeface="Calibri"/>
+              <a:ea typeface="Calibri"/>
+              <a:cs typeface="Calibri"/>
+              <a:sym typeface="Calibri"/>
+            </a:endParaRPr>
+          </a:p>
+          <a:p>
+            <a:pPr indent="-330200" lvl="2" marL="1371600" marR="0" rtl="0" algn="l">
+              <a:spcBef>
+                <a:spcPts val="0"/>
+              </a:spcBef>
+              <a:spcAft>
+                <a:spcPts val="0"/>
+              </a:spcAft>
+              <a:buClr>
+                <a:srgbClr val="FFFF00"/>
+              </a:buClr>
+              <a:buSzPts val="1600"/>
+              <a:buFont typeface="Calibri"/>
+              <a:buChar char="■"/>
+            </a:pPr>
+            <a:r>
+              <a:rPr b="1" lang="en-US" sz="1600">
+                <a:solidFill>
+                  <a:srgbClr val="FFFF00"/>
+                </a:solidFill>
+                <a:latin typeface="Calibri"/>
+                <a:ea typeface="Calibri"/>
+                <a:cs typeface="Calibri"/>
+                <a:sym typeface="Calibri"/>
+              </a:rPr>
+              <a:t>Course description</a:t>
+            </a:r>
+            <a:endParaRPr b="1" sz="1600">
+              <a:solidFill>
+                <a:srgbClr val="FFFF00"/>
+              </a:solidFill>
+              <a:latin typeface="Calibri"/>
+              <a:ea typeface="Calibri"/>
+              <a:cs typeface="Calibri"/>
+              <a:sym typeface="Calibri"/>
+            </a:endParaRPr>
+          </a:p>
+          <a:p>
+            <a:pPr indent="-330200" lvl="2" marL="1371600" marR="0" rtl="0" algn="l">
+              <a:spcBef>
+                <a:spcPts val="0"/>
+              </a:spcBef>
+              <a:spcAft>
+                <a:spcPts val="0"/>
+              </a:spcAft>
+              <a:buClr>
+                <a:srgbClr val="FFFF00"/>
+              </a:buClr>
+              <a:buSzPts val="1600"/>
+              <a:buFont typeface="Calibri"/>
+              <a:buChar char="■"/>
+            </a:pPr>
+            <a:r>
+              <a:rPr b="1" lang="en-US" sz="1600">
+                <a:solidFill>
+                  <a:srgbClr val="FFFF00"/>
+                </a:solidFill>
+                <a:latin typeface="Calibri"/>
+                <a:ea typeface="Calibri"/>
+                <a:cs typeface="Calibri"/>
+                <a:sym typeface="Calibri"/>
+              </a:rPr>
+              <a:t>Prerequisites</a:t>
+            </a:r>
+            <a:endParaRPr b="1" sz="1600">
+              <a:solidFill>
+                <a:srgbClr val="FFFF00"/>
+              </a:solidFill>
+              <a:latin typeface="Calibri"/>
+              <a:ea typeface="Calibri"/>
+              <a:cs typeface="Calibri"/>
+              <a:sym typeface="Calibri"/>
+            </a:endParaRPr>
+          </a:p>
+          <a:p>
+            <a:pPr indent="0" lvl="0" marL="0" marR="0" rtl="0" algn="l">
+              <a:spcBef>
+                <a:spcPts val="0"/>
+              </a:spcBef>
+              <a:spcAft>
+                <a:spcPts val="0"/>
+              </a:spcAft>
+              <a:buNone/>
+            </a:pPr>
+            <a:r>
+              <a:t/>
             </a:r>
             <a:endParaRPr b="1" sz="1600">
               <a:solidFill>
@@ -17219,177 +17893,6 @@
             </a:endParaRPr>
           </a:p>
           <a:p>
-            <a:pPr indent="-330200" lvl="1" marL="914400" marR="0" rtl="0" algn="l">
-              <a:spcBef>
-                <a:spcPts val="0"/>
-              </a:spcBef>
-              <a:spcAft>
-                <a:spcPts val="0"/>
-              </a:spcAft>
-              <a:buClr>
-                <a:srgbClr val="FFFFFF"/>
-              </a:buClr>
-              <a:buSzPts val="1600"/>
-              <a:buFont typeface="Calibri"/>
-              <a:buChar char="○"/>
-            </a:pPr>
-            <a:r>
-              <a:rPr b="1" lang="en-US" sz="1600">
-                <a:solidFill>
-                  <a:srgbClr val="FFFFFF"/>
-                </a:solidFill>
-                <a:latin typeface="Calibri"/>
-                <a:ea typeface="Calibri"/>
-                <a:cs typeface="Calibri"/>
-                <a:sym typeface="Calibri"/>
-              </a:rPr>
-              <a:t>Specifically needed for…</a:t>
-            </a:r>
-            <a:endParaRPr b="1" sz="1600">
-              <a:solidFill>
-                <a:srgbClr val="FFFFFF"/>
-              </a:solidFill>
-              <a:latin typeface="Calibri"/>
-              <a:ea typeface="Calibri"/>
-              <a:cs typeface="Calibri"/>
-              <a:sym typeface="Calibri"/>
-            </a:endParaRPr>
-          </a:p>
-          <a:p>
-            <a:pPr indent="-330200" lvl="2" marL="1371600" marR="0" rtl="0" algn="l">
-              <a:spcBef>
-                <a:spcPts val="0"/>
-              </a:spcBef>
-              <a:spcAft>
-                <a:spcPts val="0"/>
-              </a:spcAft>
-              <a:buClr>
-                <a:srgbClr val="FFFFFF"/>
-              </a:buClr>
-              <a:buSzPts val="1600"/>
-              <a:buFont typeface="Calibri"/>
-              <a:buChar char="■"/>
-            </a:pPr>
-            <a:r>
-              <a:rPr b="1" lang="en-US" sz="1600">
-                <a:solidFill>
-                  <a:srgbClr val="FFFFFF"/>
-                </a:solidFill>
-                <a:latin typeface="Calibri"/>
-                <a:ea typeface="Calibri"/>
-                <a:cs typeface="Calibri"/>
-                <a:sym typeface="Calibri"/>
-              </a:rPr>
-              <a:t>Accurate titles</a:t>
-            </a:r>
-            <a:endParaRPr b="1" sz="1600">
-              <a:solidFill>
-                <a:srgbClr val="FFFFFF"/>
-              </a:solidFill>
-              <a:latin typeface="Calibri"/>
-              <a:ea typeface="Calibri"/>
-              <a:cs typeface="Calibri"/>
-              <a:sym typeface="Calibri"/>
-            </a:endParaRPr>
-          </a:p>
-          <a:p>
-            <a:pPr indent="-330200" lvl="2" marL="1371600" marR="0" rtl="0" algn="l">
-              <a:spcBef>
-                <a:spcPts val="0"/>
-              </a:spcBef>
-              <a:spcAft>
-                <a:spcPts val="0"/>
-              </a:spcAft>
-              <a:buClr>
-                <a:srgbClr val="FFFFFF"/>
-              </a:buClr>
-              <a:buSzPts val="1600"/>
-              <a:buFont typeface="Calibri"/>
-              <a:buChar char="■"/>
-            </a:pPr>
-            <a:r>
-              <a:rPr b="1" lang="en-US" sz="1600">
-                <a:solidFill>
-                  <a:srgbClr val="FFFFFF"/>
-                </a:solidFill>
-                <a:latin typeface="Calibri"/>
-                <a:ea typeface="Calibri"/>
-                <a:cs typeface="Calibri"/>
-                <a:sym typeface="Calibri"/>
-              </a:rPr>
-              <a:t>Course description</a:t>
-            </a:r>
-            <a:endParaRPr b="1" sz="1600">
-              <a:solidFill>
-                <a:srgbClr val="FFFFFF"/>
-              </a:solidFill>
-              <a:latin typeface="Calibri"/>
-              <a:ea typeface="Calibri"/>
-              <a:cs typeface="Calibri"/>
-              <a:sym typeface="Calibri"/>
-            </a:endParaRPr>
-          </a:p>
-          <a:p>
-            <a:pPr indent="-330200" lvl="2" marL="1371600" marR="0" rtl="0" algn="l">
-              <a:spcBef>
-                <a:spcPts val="0"/>
-              </a:spcBef>
-              <a:spcAft>
-                <a:spcPts val="0"/>
-              </a:spcAft>
-              <a:buClr>
-                <a:srgbClr val="FFFFFF"/>
-              </a:buClr>
-              <a:buSzPts val="1600"/>
-              <a:buFont typeface="Calibri"/>
-              <a:buChar char="■"/>
-            </a:pPr>
-            <a:r>
-              <a:rPr b="1" lang="en-US" sz="1600">
-                <a:solidFill>
-                  <a:srgbClr val="FFFFFF"/>
-                </a:solidFill>
-                <a:latin typeface="Calibri"/>
-                <a:ea typeface="Calibri"/>
-                <a:cs typeface="Calibri"/>
-                <a:sym typeface="Calibri"/>
-              </a:rPr>
-              <a:t>Prerequisites</a:t>
-            </a:r>
-            <a:endParaRPr b="1" sz="1600">
-              <a:solidFill>
-                <a:srgbClr val="FFFFFF"/>
-              </a:solidFill>
-              <a:latin typeface="Calibri"/>
-              <a:ea typeface="Calibri"/>
-              <a:cs typeface="Calibri"/>
-              <a:sym typeface="Calibri"/>
-            </a:endParaRPr>
-          </a:p>
-          <a:p>
-            <a:pPr indent="0" lvl="0" marL="0" marR="0" rtl="0" algn="l">
-              <a:spcBef>
-                <a:spcPts val="0"/>
-              </a:spcBef>
-              <a:spcAft>
-                <a:spcPts val="0"/>
-              </a:spcAft>
-              <a:buNone/>
-            </a:pPr>
-            <a:r>
-              <a:t/>
-            </a:r>
-            <a:endParaRPr b="1" sz="1600">
-              <a:solidFill>
-                <a:srgbClr val="FFFFFF"/>
-              </a:solidFill>
-              <a:latin typeface="Calibri"/>
-              <a:ea typeface="Calibri"/>
-              <a:cs typeface="Calibri"/>
-              <a:sym typeface="Calibri"/>
-            </a:endParaRPr>
-          </a:p>
-          <a:p>
             <a:pPr indent="-330200" lvl="0" marL="457200" marR="0" rtl="0" algn="l">
               <a:spcBef>
                 <a:spcPts val="0"/>
@@ -17656,7 +18159,7 @@
                 <a:spcPts val="0"/>
               </a:spcAft>
               <a:buClr>
-                <a:srgbClr val="FFFF00"/>
+                <a:srgbClr val="FF9900"/>
               </a:buClr>
               <a:buSzPts val="1600"/>
               <a:buFont typeface="Calibri"/>
@@ -17665,7 +18168,7 @@
             <a:r>
               <a:rPr b="1" lang="en-US" sz="1600">
                 <a:solidFill>
-                  <a:srgbClr val="FFFF00"/>
+                  <a:srgbClr val="FF9900"/>
                 </a:solidFill>
                 <a:latin typeface="Calibri"/>
                 <a:ea typeface="Calibri"/>
@@ -17676,7 +18179,7 @@
             </a:r>
             <a:endParaRPr b="1" sz="1600">
               <a:solidFill>
-                <a:srgbClr val="FFFF00"/>
+                <a:srgbClr val="FF9900"/>
               </a:solidFill>
               <a:latin typeface="Calibri"/>
               <a:ea typeface="Calibri"/>
@@ -17693,7 +18196,7 @@
                 <a:spcPts val="0"/>
               </a:spcAft>
               <a:buClr>
-                <a:srgbClr val="FFFF00"/>
+                <a:srgbClr val="FF9900"/>
               </a:buClr>
               <a:buSzPts val="1600"/>
               <a:buFont typeface="Calibri"/>
@@ -17702,7 +18205,7 @@
             <a:r>
               <a:rPr b="1" lang="en-US" sz="1600">
                 <a:solidFill>
-                  <a:srgbClr val="FFFF00"/>
+                  <a:srgbClr val="FF9900"/>
                 </a:solidFill>
                 <a:latin typeface="Calibri"/>
                 <a:ea typeface="Calibri"/>
@@ -17713,7 +18216,7 @@
             </a:r>
             <a:endParaRPr b="1" sz="1600">
               <a:solidFill>
-                <a:srgbClr val="FFFF00"/>
+                <a:srgbClr val="FF9900"/>
               </a:solidFill>
               <a:latin typeface="Calibri"/>
               <a:ea typeface="Calibri"/>
@@ -17730,7 +18233,7 @@
                 <a:spcPts val="0"/>
               </a:spcAft>
               <a:buClr>
-                <a:srgbClr val="FFFF00"/>
+                <a:srgbClr val="FF9900"/>
               </a:buClr>
               <a:buSzPts val="1600"/>
               <a:buFont typeface="Calibri"/>
@@ -17739,7 +18242,7 @@
             <a:r>
               <a:rPr b="1" lang="en-US" sz="1600">
                 <a:solidFill>
-                  <a:srgbClr val="FFFF00"/>
+                  <a:srgbClr val="FF9900"/>
                 </a:solidFill>
                 <a:latin typeface="Calibri"/>
                 <a:ea typeface="Calibri"/>
@@ -17750,7 +18253,7 @@
             </a:r>
             <a:endParaRPr b="1" sz="1600">
               <a:solidFill>
-                <a:srgbClr val="FFFF00"/>
+                <a:srgbClr val="FF9900"/>
               </a:solidFill>
               <a:latin typeface="Calibri"/>
               <a:ea typeface="Calibri"/>
@@ -17767,7 +18270,7 @@
                 <a:spcPts val="0"/>
               </a:spcAft>
               <a:buClr>
-                <a:srgbClr val="FFFF00"/>
+                <a:srgbClr val="FF9900"/>
               </a:buClr>
               <a:buSzPts val="1600"/>
               <a:buFont typeface="Calibri"/>
@@ -17776,7 +18279,7 @@
             <a:r>
               <a:rPr b="1" lang="en-US" sz="1600">
                 <a:solidFill>
-                  <a:srgbClr val="FFFF00"/>
+                  <a:srgbClr val="FF9900"/>
                 </a:solidFill>
                 <a:latin typeface="Calibri"/>
                 <a:ea typeface="Calibri"/>
@@ -17787,7 +18290,7 @@
             </a:r>
             <a:endParaRPr b="1" sz="1600">
               <a:solidFill>
-                <a:srgbClr val="FFFF00"/>
+                <a:srgbClr val="FF9900"/>
               </a:solidFill>
               <a:latin typeface="Calibri"/>
               <a:ea typeface="Calibri"/>
@@ -17804,7 +18307,7 @@
                 <a:spcPts val="0"/>
               </a:spcAft>
               <a:buClr>
-                <a:srgbClr val="FFFF00"/>
+                <a:srgbClr val="FF9900"/>
               </a:buClr>
               <a:buSzPts val="1600"/>
               <a:buFont typeface="Calibri"/>
@@ -17813,7 +18316,7 @@
             <a:r>
               <a:rPr b="1" lang="en-US" sz="1600">
                 <a:solidFill>
-                  <a:srgbClr val="FFFF00"/>
+                  <a:srgbClr val="FF9900"/>
                 </a:solidFill>
                 <a:latin typeface="Calibri"/>
                 <a:ea typeface="Calibri"/>
@@ -17824,7 +18327,7 @@
             </a:r>
             <a:endParaRPr b="1" sz="1600">
               <a:solidFill>
-                <a:srgbClr val="FFFF00"/>
+                <a:srgbClr val="FF9900"/>
               </a:solidFill>
               <a:latin typeface="Calibri"/>
               <a:ea typeface="Calibri"/>
@@ -17841,7 +18344,7 @@
                 <a:spcPts val="0"/>
               </a:spcAft>
               <a:buClr>
-                <a:srgbClr val="FFFF00"/>
+                <a:srgbClr val="FF9900"/>
               </a:buClr>
               <a:buSzPts val="1600"/>
               <a:buFont typeface="Calibri"/>
@@ -17850,7 +18353,7 @@
             <a:r>
               <a:rPr b="1" lang="en-US" sz="1600">
                 <a:solidFill>
-                  <a:srgbClr val="FFFF00"/>
+                  <a:srgbClr val="FF9900"/>
                 </a:solidFill>
                 <a:latin typeface="Calibri"/>
                 <a:ea typeface="Calibri"/>
@@ -17861,7 +18364,7 @@
             </a:r>
             <a:endParaRPr b="1" sz="1600">
               <a:solidFill>
-                <a:srgbClr val="FFFF00"/>
+                <a:srgbClr val="FF9900"/>
               </a:solidFill>
               <a:latin typeface="Calibri"/>
               <a:ea typeface="Calibri"/>
@@ -17959,6 +18462,285 @@
 </file>
 
 <file path=ppt/theme/theme1.xml><?xml version="1.0" encoding="utf-8"?>
+<a:theme xmlns:a="http://schemas.openxmlformats.org/drawingml/2006/main" xmlns:r="http://schemas.openxmlformats.org/officeDocument/2006/relationships" name="Office Theme">
+  <a:themeElements>
+    <a:clrScheme name="Office">
+      <a:dk1>
+        <a:srgbClr val="000000"/>
+      </a:dk1>
+      <a:lt1>
+        <a:srgbClr val="FFFFFF"/>
+      </a:lt1>
+      <a:dk2>
+        <a:srgbClr val="44546A"/>
+      </a:dk2>
+      <a:lt2>
+        <a:srgbClr val="E7E6E6"/>
+      </a:lt2>
+      <a:accent1>
+        <a:srgbClr val="5B9BD5"/>
+      </a:accent1>
+      <a:accent2>
+        <a:srgbClr val="ED7D31"/>
+      </a:accent2>
+      <a:accent3>
+        <a:srgbClr val="A5A5A5"/>
+      </a:accent3>
+      <a:accent4>
+        <a:srgbClr val="FFC000"/>
+      </a:accent4>
+      <a:accent5>
+        <a:srgbClr val="4472C4"/>
+      </a:accent5>
+      <a:accent6>
+        <a:srgbClr val="70AD47"/>
+      </a:accent6>
+      <a:hlink>
+        <a:srgbClr val="0563C1"/>
+      </a:hlink>
+      <a:folHlink>
+        <a:srgbClr val="954F72"/>
+      </a:folHlink>
+    </a:clrScheme>
+    <a:fontScheme name="Office">
+      <a:majorFont>
+        <a:latin typeface="Arial"/>
+        <a:ea typeface=""/>
+        <a:cs typeface=""/>
+        <a:font script="Jpan" typeface="ＭＳ Ｐゴシック"/>
+        <a:font script="Hang" typeface="맑은 고딕"/>
+        <a:font script="Hans" typeface="宋体"/>
+        <a:font script="Hant" typeface="新細明體"/>
+        <a:font script="Arab" typeface="Times New Roman"/>
+        <a:font script="Hebr" typeface="Times New Roman"/>
+        <a:font script="Thai" typeface="Angsana New"/>
+        <a:font script="Ethi" typeface="Nyala"/>
+        <a:font script="Beng" typeface="Vrinda"/>
+        <a:font script="Gujr" typeface="Shruti"/>
+        <a:font script="Khmr" typeface="MoolBoran"/>
+        <a:font script="Knda" typeface="Tunga"/>
+        <a:font script="Guru" typeface="Raavi"/>
+        <a:font script="Cans" typeface="Euphemia"/>
+        <a:font script="Cher" typeface="Plantagenet Cherokee"/>
+        <a:font script="Yiii" typeface="Microsoft Yi Baiti"/>
+        <a:font script="Tibt" typeface="Microsoft Himalaya"/>
+        <a:font script="Thaa" typeface="MV Boli"/>
+        <a:font script="Deva" typeface="Mangal"/>
+        <a:font script="Telu" typeface="Gautami"/>
+        <a:font script="Taml" typeface="Latha"/>
+        <a:font script="Syrc" typeface="Estrangelo Edessa"/>
+        <a:font script="Orya" typeface="Kalinga"/>
+        <a:font script="Mlym" typeface="Kartika"/>
+        <a:font script="Laoo" typeface="DokChampa"/>
+        <a:font script="Sinh" typeface="Iskoola Pota"/>
+        <a:font script="Mong" typeface="Mongolian Baiti"/>
+        <a:font script="Viet" typeface="Times New Roman"/>
+        <a:font script="Uigh" typeface="Microsoft Uighur"/>
+        <a:font script="Geor" typeface="Sylfaen"/>
+      </a:majorFont>
+      <a:minorFont>
+        <a:latin typeface="Arial"/>
+        <a:ea typeface=""/>
+        <a:cs typeface=""/>
+        <a:font script="Jpan" typeface="ＭＳ Ｐゴシック"/>
+        <a:font script="Hang" typeface="맑은 고딕"/>
+        <a:font script="Hans" typeface="宋体"/>
+        <a:font script="Hant" typeface="新細明體"/>
+        <a:font script="Arab" typeface="Arial"/>
+        <a:font script="Hebr" typeface="Arial"/>
+        <a:font script="Thai" typeface="Cordia New"/>
+        <a:font script="Ethi" typeface="Nyala"/>
+        <a:font script="Beng" typeface="Vrinda"/>
+        <a:font script="Gujr" typeface="Shruti"/>
+        <a:font script="Khmr" typeface="DaunPenh"/>
+        <a:font script="Knda" typeface="Tunga"/>
+        <a:font script="Guru" typeface="Raavi"/>
+        <a:font script="Cans" typeface="Euphemia"/>
+        <a:font script="Cher" typeface="Plantagenet Cherokee"/>
+        <a:font script="Yiii" typeface="Microsoft Yi Baiti"/>
+        <a:font script="Tibt" typeface="Microsoft Himalaya"/>
+        <a:font script="Thaa" typeface="MV Boli"/>
+        <a:font script="Deva" typeface="Mangal"/>
+        <a:font script="Telu" typeface="Gautami"/>
+        <a:font script="Taml" typeface="Latha"/>
+        <a:font script="Syrc" typeface="Estrangelo Edessa"/>
+        <a:font script="Orya" typeface="Kalinga"/>
+        <a:font script="Mlym" typeface="Kartika"/>
+        <a:font script="Laoo" typeface="DokChampa"/>
+        <a:font script="Sinh" typeface="Iskoola Pota"/>
+        <a:font script="Mong" typeface="Mongolian Baiti"/>
+        <a:font script="Viet" typeface="Arial"/>
+        <a:font script="Uigh" typeface="Microsoft Uighur"/>
+        <a:font script="Geor" typeface="Sylfaen"/>
+      </a:minorFont>
+    </a:fontScheme>
+    <a:fmtScheme name="Office">
+      <a:fillStyleLst>
+        <a:solidFill>
+          <a:schemeClr val="phClr"/>
+        </a:solidFill>
+        <a:gradFill rotWithShape="1">
+          <a:gsLst>
+            <a:gs pos="0">
+              <a:schemeClr val="phClr">
+                <a:tint val="50000"/>
+                <a:satMod val="300000"/>
+              </a:schemeClr>
+            </a:gs>
+            <a:gs pos="35000">
+              <a:schemeClr val="phClr">
+                <a:tint val="37000"/>
+                <a:satMod val="300000"/>
+              </a:schemeClr>
+            </a:gs>
+            <a:gs pos="100000">
+              <a:schemeClr val="phClr">
+                <a:tint val="15000"/>
+                <a:satMod val="350000"/>
+              </a:schemeClr>
+            </a:gs>
+          </a:gsLst>
+          <a:lin ang="16200000" scaled="1"/>
+        </a:gradFill>
+        <a:gradFill rotWithShape="1">
+          <a:gsLst>
+            <a:gs pos="0">
+              <a:schemeClr val="phClr">
+                <a:tint val="100000"/>
+                <a:shade val="100000"/>
+                <a:satMod val="130000"/>
+              </a:schemeClr>
+            </a:gs>
+            <a:gs pos="100000">
+              <a:schemeClr val="phClr">
+                <a:tint val="50000"/>
+                <a:shade val="100000"/>
+                <a:satMod val="350000"/>
+              </a:schemeClr>
+            </a:gs>
+          </a:gsLst>
+          <a:lin ang="16200000" scaled="0"/>
+        </a:gradFill>
+      </a:fillStyleLst>
+      <a:lnStyleLst>
+        <a:ln w="9525" cap="flat" cmpd="sng" algn="ctr">
+          <a:solidFill>
+            <a:schemeClr val="phClr">
+              <a:shade val="95000"/>
+              <a:satMod val="105000"/>
+            </a:schemeClr>
+          </a:solidFill>
+          <a:prstDash val="solid"/>
+        </a:ln>
+        <a:ln w="25400" cap="flat" cmpd="sng" algn="ctr">
+          <a:solidFill>
+            <a:schemeClr val="phClr"/>
+          </a:solidFill>
+          <a:prstDash val="solid"/>
+        </a:ln>
+        <a:ln w="38100" cap="flat" cmpd="sng" algn="ctr">
+          <a:solidFill>
+            <a:schemeClr val="phClr"/>
+          </a:solidFill>
+          <a:prstDash val="solid"/>
+        </a:ln>
+      </a:lnStyleLst>
+      <a:effectStyleLst>
+        <a:effectStyle>
+          <a:effectLst>
+            <a:outerShdw blurRad="40000" dist="20000" dir="5400000" rotWithShape="0">
+              <a:srgbClr val="000000">
+                <a:alpha val="38000"/>
+              </a:srgbClr>
+            </a:outerShdw>
+          </a:effectLst>
+        </a:effectStyle>
+        <a:effectStyle>
+          <a:effectLst>
+            <a:outerShdw blurRad="40000" dist="23000" dir="5400000" rotWithShape="0">
+              <a:srgbClr val="000000">
+                <a:alpha val="35000"/>
+              </a:srgbClr>
+            </a:outerShdw>
+          </a:effectLst>
+        </a:effectStyle>
+        <a:effectStyle>
+          <a:effectLst>
+            <a:outerShdw blurRad="40000" dist="23000" dir="5400000" rotWithShape="0">
+              <a:srgbClr val="000000">
+                <a:alpha val="35000"/>
+              </a:srgbClr>
+            </a:outerShdw>
+          </a:effectLst>
+          <a:scene3d>
+            <a:camera prst="orthographicFront">
+              <a:rot lat="0" lon="0" rev="0"/>
+            </a:camera>
+            <a:lightRig rig="threePt" dir="t">
+              <a:rot lat="0" lon="0" rev="1200000"/>
+            </a:lightRig>
+          </a:scene3d>
+          <a:sp3d>
+            <a:bevelT w="63500" h="25400"/>
+          </a:sp3d>
+        </a:effectStyle>
+      </a:effectStyleLst>
+      <a:bgFillStyleLst>
+        <a:solidFill>
+          <a:schemeClr val="phClr"/>
+        </a:solidFill>
+        <a:gradFill rotWithShape="1">
+          <a:gsLst>
+            <a:gs pos="0">
+              <a:schemeClr val="phClr">
+                <a:tint val="40000"/>
+                <a:satMod val="350000"/>
+              </a:schemeClr>
+            </a:gs>
+            <a:gs pos="40000">
+              <a:schemeClr val="phClr">
+                <a:tint val="45000"/>
+                <a:shade val="99000"/>
+                <a:satMod val="350000"/>
+              </a:schemeClr>
+            </a:gs>
+            <a:gs pos="100000">
+              <a:schemeClr val="phClr">
+                <a:shade val="20000"/>
+                <a:satMod val="255000"/>
+              </a:schemeClr>
+            </a:gs>
+          </a:gsLst>
+          <a:path path="circle">
+            <a:fillToRect l="50000" t="-80000" r="50000" b="180000"/>
+          </a:path>
+        </a:gradFill>
+        <a:gradFill rotWithShape="1">
+          <a:gsLst>
+            <a:gs pos="0">
+              <a:schemeClr val="phClr">
+                <a:tint val="80000"/>
+                <a:satMod val="300000"/>
+              </a:schemeClr>
+            </a:gs>
+            <a:gs pos="100000">
+              <a:schemeClr val="phClr">
+                <a:shade val="30000"/>
+                <a:satMod val="200000"/>
+              </a:schemeClr>
+            </a:gs>
+          </a:gsLst>
+          <a:path path="circle">
+            <a:fillToRect l="50000" t="50000" r="50000" b="50000"/>
+          </a:path>
+        </a:gradFill>
+      </a:bgFillStyleLst>
+    </a:fmtScheme>
+  </a:themeElements>
+</a:theme>
+</file>
+
+<file path=ppt/theme/theme2.xml><?xml version="1.0" encoding="utf-8"?>
 <a:theme xmlns:a="http://schemas.openxmlformats.org/drawingml/2006/main" xmlns:r="http://schemas.openxmlformats.org/officeDocument/2006/relationships" name="OneSixtyOverNintey_Theme">
   <a:themeElements>
     <a:clrScheme name="Office">
@@ -18235,283 +19017,4 @@
     </a:fmtScheme>
   </a:themeElements>
 </a:theme>
-</file>
-
-<file path=ppt/theme/theme2.xml><?xml version="1.0" encoding="utf-8"?>
-<a:theme xmlns:a="http://schemas.openxmlformats.org/drawingml/2006/main" xmlns:r="http://schemas.openxmlformats.org/officeDocument/2006/relationships" name="Office Theme">
-  <a:themeElements>
-    <a:clrScheme name="Office">
-      <a:dk1>
-        <a:srgbClr val="000000"/>
-      </a:dk1>
-      <a:lt1>
-        <a:srgbClr val="FFFFFF"/>
-      </a:lt1>
-      <a:dk2>
-        <a:srgbClr val="44546A"/>
-      </a:dk2>
-      <a:lt2>
-        <a:srgbClr val="E7E6E6"/>
-      </a:lt2>
-      <a:accent1>
-        <a:srgbClr val="5B9BD5"/>
-      </a:accent1>
-      <a:accent2>
-        <a:srgbClr val="ED7D31"/>
-      </a:accent2>
-      <a:accent3>
-        <a:srgbClr val="A5A5A5"/>
-      </a:accent3>
-      <a:accent4>
-        <a:srgbClr val="FFC000"/>
-      </a:accent4>
-      <a:accent5>
-        <a:srgbClr val="4472C4"/>
-      </a:accent5>
-      <a:accent6>
-        <a:srgbClr val="70AD47"/>
-      </a:accent6>
-      <a:hlink>
-        <a:srgbClr val="0563C1"/>
-      </a:hlink>
-      <a:folHlink>
-        <a:srgbClr val="954F72"/>
-      </a:folHlink>
-    </a:clrScheme>
-    <a:fontScheme name="Office">
-      <a:majorFont>
-        <a:latin typeface="Arial"/>
-        <a:ea typeface=""/>
-        <a:cs typeface=""/>
-        <a:font script="Jpan" typeface="ＭＳ Ｐゴシック"/>
-        <a:font script="Hang" typeface="맑은 고딕"/>
-        <a:font script="Hans" typeface="宋体"/>
-        <a:font script="Hant" typeface="新細明體"/>
-        <a:font script="Arab" typeface="Times New Roman"/>
-        <a:font script="Hebr" typeface="Times New Roman"/>
-        <a:font script="Thai" typeface="Angsana New"/>
-        <a:font script="Ethi" typeface="Nyala"/>
-        <a:font script="Beng" typeface="Vrinda"/>
-        <a:font script="Gujr" typeface="Shruti"/>
-        <a:font script="Khmr" typeface="MoolBoran"/>
-        <a:font script="Knda" typeface="Tunga"/>
-        <a:font script="Guru" typeface="Raavi"/>
-        <a:font script="Cans" typeface="Euphemia"/>
-        <a:font script="Cher" typeface="Plantagenet Cherokee"/>
-        <a:font script="Yiii" typeface="Microsoft Yi Baiti"/>
-        <a:font script="Tibt" typeface="Microsoft Himalaya"/>
-        <a:font script="Thaa" typeface="MV Boli"/>
-        <a:font script="Deva" typeface="Mangal"/>
-        <a:font script="Telu" typeface="Gautami"/>
-        <a:font script="Taml" typeface="Latha"/>
-        <a:font script="Syrc" typeface="Estrangelo Edessa"/>
-        <a:font script="Orya" typeface="Kalinga"/>
-        <a:font script="Mlym" typeface="Kartika"/>
-        <a:font script="Laoo" typeface="DokChampa"/>
-        <a:font script="Sinh" typeface="Iskoola Pota"/>
-        <a:font script="Mong" typeface="Mongolian Baiti"/>
-        <a:font script="Viet" typeface="Times New Roman"/>
-        <a:font script="Uigh" typeface="Microsoft Uighur"/>
-        <a:font script="Geor" typeface="Sylfaen"/>
-      </a:majorFont>
-      <a:minorFont>
-        <a:latin typeface="Arial"/>
-        <a:ea typeface=""/>
-        <a:cs typeface=""/>
-        <a:font script="Jpan" typeface="ＭＳ Ｐゴシック"/>
-        <a:font script="Hang" typeface="맑은 고딕"/>
-        <a:font script="Hans" typeface="宋体"/>
-        <a:font script="Hant" typeface="新細明體"/>
-        <a:font script="Arab" typeface="Arial"/>
-        <a:font script="Hebr" typeface="Arial"/>
-        <a:font script="Thai" typeface="Cordia New"/>
-        <a:font script="Ethi" typeface="Nyala"/>
-        <a:font script="Beng" typeface="Vrinda"/>
-        <a:font script="Gujr" typeface="Shruti"/>
-        <a:font script="Khmr" typeface="DaunPenh"/>
-        <a:font script="Knda" typeface="Tunga"/>
-        <a:font script="Guru" typeface="Raavi"/>
-        <a:font script="Cans" typeface="Euphemia"/>
-        <a:font script="Cher" typeface="Plantagenet Cherokee"/>
-        <a:font script="Yiii" typeface="Microsoft Yi Baiti"/>
-        <a:font script="Tibt" typeface="Microsoft Himalaya"/>
-        <a:font script="Thaa" typeface="MV Boli"/>
-        <a:font script="Deva" typeface="Mangal"/>
-        <a:font script="Telu" typeface="Gautami"/>
-        <a:font script="Taml" typeface="Latha"/>
-        <a:font script="Syrc" typeface="Estrangelo Edessa"/>
-        <a:font script="Orya" typeface="Kalinga"/>
-        <a:font script="Mlym" typeface="Kartika"/>
-        <a:font script="Laoo" typeface="DokChampa"/>
-        <a:font script="Sinh" typeface="Iskoola Pota"/>
-        <a:font script="Mong" typeface="Mongolian Baiti"/>
-        <a:font script="Viet" typeface="Arial"/>
-        <a:font script="Uigh" typeface="Microsoft Uighur"/>
-        <a:font script="Geor" typeface="Sylfaen"/>
-      </a:minorFont>
-    </a:fontScheme>
-    <a:fmtScheme name="Office">
-      <a:fillStyleLst>
-        <a:solidFill>
-          <a:schemeClr val="phClr"/>
-        </a:solidFill>
-        <a:gradFill rotWithShape="1">
-          <a:gsLst>
-            <a:gs pos="0">
-              <a:schemeClr val="phClr">
-                <a:tint val="50000"/>
-                <a:satMod val="300000"/>
-              </a:schemeClr>
-            </a:gs>
-            <a:gs pos="35000">
-              <a:schemeClr val="phClr">
-                <a:tint val="37000"/>
-                <a:satMod val="300000"/>
-              </a:schemeClr>
-            </a:gs>
-            <a:gs pos="100000">
-              <a:schemeClr val="phClr">
-                <a:tint val="15000"/>
-                <a:satMod val="350000"/>
-              </a:schemeClr>
-            </a:gs>
-          </a:gsLst>
-          <a:lin ang="16200000" scaled="1"/>
-        </a:gradFill>
-        <a:gradFill rotWithShape="1">
-          <a:gsLst>
-            <a:gs pos="0">
-              <a:schemeClr val="phClr">
-                <a:tint val="100000"/>
-                <a:shade val="100000"/>
-                <a:satMod val="130000"/>
-              </a:schemeClr>
-            </a:gs>
-            <a:gs pos="100000">
-              <a:schemeClr val="phClr">
-                <a:tint val="50000"/>
-                <a:shade val="100000"/>
-                <a:satMod val="350000"/>
-              </a:schemeClr>
-            </a:gs>
-          </a:gsLst>
-          <a:lin ang="16200000" scaled="0"/>
-        </a:gradFill>
-      </a:fillStyleLst>
-      <a:lnStyleLst>
-        <a:ln w="9525" cap="flat" cmpd="sng" algn="ctr">
-          <a:solidFill>
-            <a:schemeClr val="phClr">
-              <a:shade val="95000"/>
-              <a:satMod val="105000"/>
-            </a:schemeClr>
-          </a:solidFill>
-          <a:prstDash val="solid"/>
-        </a:ln>
-        <a:ln w="25400" cap="flat" cmpd="sng" algn="ctr">
-          <a:solidFill>
-            <a:schemeClr val="phClr"/>
-          </a:solidFill>
-          <a:prstDash val="solid"/>
-        </a:ln>
-        <a:ln w="38100" cap="flat" cmpd="sng" algn="ctr">
-          <a:solidFill>
-            <a:schemeClr val="phClr"/>
-          </a:solidFill>
-          <a:prstDash val="solid"/>
-        </a:ln>
-      </a:lnStyleLst>
-      <a:effectStyleLst>
-        <a:effectStyle>
-          <a:effectLst>
-            <a:outerShdw blurRad="40000" dist="20000" dir="5400000" rotWithShape="0">
-              <a:srgbClr val="000000">
-                <a:alpha val="38000"/>
-              </a:srgbClr>
-            </a:outerShdw>
-          </a:effectLst>
-        </a:effectStyle>
-        <a:effectStyle>
-          <a:effectLst>
-            <a:outerShdw blurRad="40000" dist="23000" dir="5400000" rotWithShape="0">
-              <a:srgbClr val="000000">
-                <a:alpha val="35000"/>
-              </a:srgbClr>
-            </a:outerShdw>
-          </a:effectLst>
-        </a:effectStyle>
-        <a:effectStyle>
-          <a:effectLst>
-            <a:outerShdw blurRad="40000" dist="23000" dir="5400000" rotWithShape="0">
-              <a:srgbClr val="000000">
-                <a:alpha val="35000"/>
-              </a:srgbClr>
-            </a:outerShdw>
-          </a:effectLst>
-          <a:scene3d>
-            <a:camera prst="orthographicFront">
-              <a:rot lat="0" lon="0" rev="0"/>
-            </a:camera>
-            <a:lightRig rig="threePt" dir="t">
-              <a:rot lat="0" lon="0" rev="1200000"/>
-            </a:lightRig>
-          </a:scene3d>
-          <a:sp3d>
-            <a:bevelT w="63500" h="25400"/>
-          </a:sp3d>
-        </a:effectStyle>
-      </a:effectStyleLst>
-      <a:bgFillStyleLst>
-        <a:solidFill>
-          <a:schemeClr val="phClr"/>
-        </a:solidFill>
-        <a:gradFill rotWithShape="1">
-          <a:gsLst>
-            <a:gs pos="0">
-              <a:schemeClr val="phClr">
-                <a:tint val="40000"/>
-                <a:satMod val="350000"/>
-              </a:schemeClr>
-            </a:gs>
-            <a:gs pos="40000">
-              <a:schemeClr val="phClr">
-                <a:tint val="45000"/>
-                <a:shade val="99000"/>
-                <a:satMod val="350000"/>
-              </a:schemeClr>
-            </a:gs>
-            <a:gs pos="100000">
-              <a:schemeClr val="phClr">
-                <a:shade val="20000"/>
-                <a:satMod val="255000"/>
-              </a:schemeClr>
-            </a:gs>
-          </a:gsLst>
-          <a:path path="circle">
-            <a:fillToRect l="50000" t="-80000" r="50000" b="180000"/>
-          </a:path>
-        </a:gradFill>
-        <a:gradFill rotWithShape="1">
-          <a:gsLst>
-            <a:gs pos="0">
-              <a:schemeClr val="phClr">
-                <a:tint val="80000"/>
-                <a:satMod val="300000"/>
-              </a:schemeClr>
-            </a:gs>
-            <a:gs pos="100000">
-              <a:schemeClr val="phClr">
-                <a:shade val="30000"/>
-                <a:satMod val="200000"/>
-              </a:schemeClr>
-            </a:gs>
-          </a:gsLst>
-          <a:path path="circle">
-            <a:fillToRect l="50000" t="50000" r="50000" b="50000"/>
-          </a:path>
-        </a:gradFill>
-      </a:bgFillStyleLst>
-    </a:fmtScheme>
-  </a:themeElements>
-</a:theme>
 </file>